--- a/Lambda表达式和Stream API.pptx
+++ b/Lambda表达式和Stream API.pptx
@@ -6888,6 +6888,10 @@
           <a:bodyPr/>
           <a:lstStyle/>
           <a:p>
+            <a:r>
+              <a:rPr lang="en-US" altLang="zh-CN" dirty="0"/>
+              <a:t>11</a:t>
+            </a:r>
             <a:endParaRPr lang="zh-CN" altLang="en-US" dirty="0"/>
           </a:p>
         </p:txBody>

--- a/Lambda表达式和Stream API.pptx
+++ b/Lambda表达式和Stream API.pptx
@@ -6888,10 +6888,6 @@
           <a:bodyPr/>
           <a:lstStyle/>
           <a:p>
-            <a:r>
-              <a:rPr lang="en-US" altLang="zh-CN" dirty="0"/>
-              <a:t>11</a:t>
-            </a:r>
             <a:endParaRPr lang="zh-CN" altLang="en-US" dirty="0"/>
           </a:p>
         </p:txBody>
@@ -6917,7 +6913,7 @@
           <a:bodyPr/>
           <a:lstStyle/>
           <a:p>
-            <a:endParaRPr lang="zh-CN" altLang="en-US"/>
+            <a:endParaRPr lang="zh-CN" altLang="en-US" dirty="0"/>
           </a:p>
         </p:txBody>
       </p:sp>

--- a/Lambda表达式和Stream API.pptx
+++ b/Lambda表达式和Stream API.pptx
@@ -8,12 +8,16 @@
     <p:sldId id="256" r:id="rId2"/>
     <p:sldId id="257" r:id="rId3"/>
     <p:sldId id="258" r:id="rId4"/>
-    <p:sldId id="259" r:id="rId5"/>
-    <p:sldId id="260" r:id="rId6"/>
-    <p:sldId id="261" r:id="rId7"/>
-    <p:sldId id="262" r:id="rId8"/>
-    <p:sldId id="263" r:id="rId9"/>
-    <p:sldId id="264" r:id="rId10"/>
+    <p:sldId id="266" r:id="rId5"/>
+    <p:sldId id="259" r:id="rId6"/>
+    <p:sldId id="260" r:id="rId7"/>
+    <p:sldId id="261" r:id="rId8"/>
+    <p:sldId id="262" r:id="rId9"/>
+    <p:sldId id="263" r:id="rId10"/>
+    <p:sldId id="264" r:id="rId11"/>
+    <p:sldId id="265" r:id="rId12"/>
+    <p:sldId id="267" r:id="rId13"/>
+    <p:sldId id="268" r:id="rId14"/>
   </p:sldIdLst>
   <p:sldSz cx="12192000" cy="6858000"/>
   <p:notesSz cx="6858000" cy="9144000"/>
@@ -842,7 +846,7 @@
           <a:p>
             <a:fld id="{E29CA12B-06F0-486E-87EE-3B3F1B2F0A86}" type="datetimeFigureOut">
               <a:rPr lang="zh-CN" altLang="en-US" smtClean="0"/>
-              <a:t>2019/10/20</a:t>
+              <a:t>2019/11/17</a:t>
             </a:fld>
             <a:endParaRPr lang="zh-CN" altLang="en-US"/>
           </a:p>
@@ -1093,7 +1097,7 @@
           <a:p>
             <a:fld id="{E29CA12B-06F0-486E-87EE-3B3F1B2F0A86}" type="datetimeFigureOut">
               <a:rPr lang="zh-CN" altLang="en-US" smtClean="0"/>
-              <a:t>2019/10/20</a:t>
+              <a:t>2019/11/17</a:t>
             </a:fld>
             <a:endParaRPr lang="zh-CN" altLang="en-US"/>
           </a:p>
@@ -1407,7 +1411,7 @@
           <a:p>
             <a:fld id="{E29CA12B-06F0-486E-87EE-3B3F1B2F0A86}" type="datetimeFigureOut">
               <a:rPr lang="zh-CN" altLang="en-US" smtClean="0"/>
-              <a:t>2019/10/20</a:t>
+              <a:t>2019/11/17</a:t>
             </a:fld>
             <a:endParaRPr lang="zh-CN" altLang="en-US"/>
           </a:p>
@@ -1748,7 +1752,7 @@
           <a:p>
             <a:fld id="{E29CA12B-06F0-486E-87EE-3B3F1B2F0A86}" type="datetimeFigureOut">
               <a:rPr lang="zh-CN" altLang="en-US" smtClean="0"/>
-              <a:t>2019/10/20</a:t>
+              <a:t>2019/11/17</a:t>
             </a:fld>
             <a:endParaRPr lang="zh-CN" altLang="en-US"/>
           </a:p>
@@ -2062,7 +2066,7 @@
           <a:p>
             <a:fld id="{E29CA12B-06F0-486E-87EE-3B3F1B2F0A86}" type="datetimeFigureOut">
               <a:rPr lang="zh-CN" altLang="en-US" smtClean="0"/>
-              <a:t>2019/10/20</a:t>
+              <a:t>2019/11/17</a:t>
             </a:fld>
             <a:endParaRPr lang="zh-CN" altLang="en-US"/>
           </a:p>
@@ -2455,7 +2459,7 @@
           <a:p>
             <a:fld id="{E29CA12B-06F0-486E-87EE-3B3F1B2F0A86}" type="datetimeFigureOut">
               <a:rPr lang="zh-CN" altLang="en-US" smtClean="0"/>
-              <a:t>2019/10/20</a:t>
+              <a:t>2019/11/17</a:t>
             </a:fld>
             <a:endParaRPr lang="zh-CN" altLang="en-US"/>
           </a:p>
@@ -2625,7 +2629,7 @@
           <a:p>
             <a:fld id="{E29CA12B-06F0-486E-87EE-3B3F1B2F0A86}" type="datetimeFigureOut">
               <a:rPr lang="zh-CN" altLang="en-US" smtClean="0"/>
-              <a:t>2019/10/20</a:t>
+              <a:t>2019/11/17</a:t>
             </a:fld>
             <a:endParaRPr lang="zh-CN" altLang="en-US"/>
           </a:p>
@@ -2805,7 +2809,7 @@
           <a:p>
             <a:fld id="{E29CA12B-06F0-486E-87EE-3B3F1B2F0A86}" type="datetimeFigureOut">
               <a:rPr lang="zh-CN" altLang="en-US" smtClean="0"/>
-              <a:t>2019/10/20</a:t>
+              <a:t>2019/11/17</a:t>
             </a:fld>
             <a:endParaRPr lang="zh-CN" altLang="en-US"/>
           </a:p>
@@ -2981,7 +2985,7 @@
           <a:p>
             <a:fld id="{E29CA12B-06F0-486E-87EE-3B3F1B2F0A86}" type="datetimeFigureOut">
               <a:rPr lang="zh-CN" altLang="en-US" smtClean="0"/>
-              <a:t>2019/10/20</a:t>
+              <a:t>2019/11/17</a:t>
             </a:fld>
             <a:endParaRPr lang="zh-CN" altLang="en-US"/>
           </a:p>
@@ -3228,7 +3232,7 @@
           <a:p>
             <a:fld id="{E29CA12B-06F0-486E-87EE-3B3F1B2F0A86}" type="datetimeFigureOut">
               <a:rPr lang="zh-CN" altLang="en-US" smtClean="0"/>
-              <a:t>2019/10/20</a:t>
+              <a:t>2019/11/17</a:t>
             </a:fld>
             <a:endParaRPr lang="zh-CN" altLang="en-US"/>
           </a:p>
@@ -3460,7 +3464,7 @@
           <a:p>
             <a:fld id="{E29CA12B-06F0-486E-87EE-3B3F1B2F0A86}" type="datetimeFigureOut">
               <a:rPr lang="zh-CN" altLang="en-US" smtClean="0"/>
-              <a:t>2019/10/20</a:t>
+              <a:t>2019/11/17</a:t>
             </a:fld>
             <a:endParaRPr lang="zh-CN" altLang="en-US"/>
           </a:p>
@@ -3834,7 +3838,7 @@
           <a:p>
             <a:fld id="{E29CA12B-06F0-486E-87EE-3B3F1B2F0A86}" type="datetimeFigureOut">
               <a:rPr lang="zh-CN" altLang="en-US" smtClean="0"/>
-              <a:t>2019/10/20</a:t>
+              <a:t>2019/11/17</a:t>
             </a:fld>
             <a:endParaRPr lang="zh-CN" altLang="en-US"/>
           </a:p>
@@ -3957,7 +3961,7 @@
           <a:p>
             <a:fld id="{E29CA12B-06F0-486E-87EE-3B3F1B2F0A86}" type="datetimeFigureOut">
               <a:rPr lang="zh-CN" altLang="en-US" smtClean="0"/>
-              <a:t>2019/10/20</a:t>
+              <a:t>2019/11/17</a:t>
             </a:fld>
             <a:endParaRPr lang="zh-CN" altLang="en-US"/>
           </a:p>
@@ -4052,7 +4056,7 @@
           <a:p>
             <a:fld id="{E29CA12B-06F0-486E-87EE-3B3F1B2F0A86}" type="datetimeFigureOut">
               <a:rPr lang="zh-CN" altLang="en-US" smtClean="0"/>
-              <a:t>2019/10/20</a:t>
+              <a:t>2019/11/17</a:t>
             </a:fld>
             <a:endParaRPr lang="zh-CN" altLang="en-US"/>
           </a:p>
@@ -4307,7 +4311,7 @@
           <a:p>
             <a:fld id="{E29CA12B-06F0-486E-87EE-3B3F1B2F0A86}" type="datetimeFigureOut">
               <a:rPr lang="zh-CN" altLang="en-US" smtClean="0"/>
-              <a:t>2019/10/20</a:t>
+              <a:t>2019/11/17</a:t>
             </a:fld>
             <a:endParaRPr lang="zh-CN" altLang="en-US"/>
           </a:p>
@@ -4570,7 +4574,7 @@
           <a:p>
             <a:fld id="{E29CA12B-06F0-486E-87EE-3B3F1B2F0A86}" type="datetimeFigureOut">
               <a:rPr lang="zh-CN" altLang="en-US" smtClean="0"/>
-              <a:t>2019/10/20</a:t>
+              <a:t>2019/11/17</a:t>
             </a:fld>
             <a:endParaRPr lang="zh-CN" altLang="en-US"/>
           </a:p>
@@ -5313,7 +5317,7 @@
           <a:p>
             <a:fld id="{E29CA12B-06F0-486E-87EE-3B3F1B2F0A86}" type="datetimeFigureOut">
               <a:rPr lang="zh-CN" altLang="en-US" smtClean="0"/>
-              <a:t>2019/10/20</a:t>
+              <a:t>2019/11/17</a:t>
             </a:fld>
             <a:endParaRPr lang="zh-CN" altLang="en-US"/>
           </a:p>
@@ -5928,6 +5932,1382 @@
 </p:sld>
 </file>
 
+<file path=ppt/slides/slide10.xml><?xml version="1.0" encoding="utf-8"?>
+<p:sld xmlns:a="http://schemas.openxmlformats.org/drawingml/2006/main" xmlns:r="http://schemas.openxmlformats.org/officeDocument/2006/relationships" xmlns:p="http://schemas.openxmlformats.org/presentationml/2006/main">
+  <p:cSld>
+    <p:spTree>
+      <p:nvGrpSpPr>
+        <p:cNvPr id="1" name=""/>
+        <p:cNvGrpSpPr/>
+        <p:nvPr/>
+      </p:nvGrpSpPr>
+      <p:grpSpPr>
+        <a:xfrm>
+          <a:off x="0" y="0"/>
+          <a:ext cx="0" cy="0"/>
+          <a:chOff x="0" y="0"/>
+          <a:chExt cx="0" cy="0"/>
+        </a:xfrm>
+      </p:grpSpPr>
+      <p:sp>
+        <p:nvSpPr>
+          <p:cNvPr id="2" name="标题 1">
+            <a:extLst>
+              <a:ext uri="{FF2B5EF4-FFF2-40B4-BE49-F238E27FC236}">
+                <a16:creationId xmlns:a16="http://schemas.microsoft.com/office/drawing/2014/main" id="{E28CF66D-753B-4BDF-82C4-A733F6559000}"/>
+              </a:ext>
+            </a:extLst>
+          </p:cNvPr>
+          <p:cNvSpPr>
+            <a:spLocks noGrp="1"/>
+          </p:cNvSpPr>
+          <p:nvPr>
+            <p:ph type="title"/>
+          </p:nvPr>
+        </p:nvSpPr>
+        <p:spPr/>
+        <p:txBody>
+          <a:bodyPr/>
+          <a:lstStyle/>
+          <a:p>
+            <a:pPr algn="ctr"/>
+            <a:r>
+              <a:rPr lang="en-US" altLang="zh-CN" dirty="0">
+                <a:solidFill>
+                  <a:schemeClr val="tx1"/>
+                </a:solidFill>
+              </a:rPr>
+              <a:t>Stream</a:t>
+            </a:r>
+            <a:r>
+              <a:rPr lang="zh-CN" altLang="en-US" dirty="0">
+                <a:solidFill>
+                  <a:schemeClr val="tx1"/>
+                </a:solidFill>
+              </a:rPr>
+              <a:t>操作的三个步骤</a:t>
+            </a:r>
+          </a:p>
+        </p:txBody>
+      </p:sp>
+      <p:sp>
+        <p:nvSpPr>
+          <p:cNvPr id="5" name="内容占位符 4">
+            <a:extLst>
+              <a:ext uri="{FF2B5EF4-FFF2-40B4-BE49-F238E27FC236}">
+                <a16:creationId xmlns:a16="http://schemas.microsoft.com/office/drawing/2014/main" id="{3656D3A3-1901-4DC2-9205-B4E7E128EE2B}"/>
+              </a:ext>
+            </a:extLst>
+          </p:cNvPr>
+          <p:cNvSpPr>
+            <a:spLocks noGrp="1"/>
+          </p:cNvSpPr>
+          <p:nvPr>
+            <p:ph idx="1"/>
+          </p:nvPr>
+        </p:nvSpPr>
+        <p:spPr>
+          <a:xfrm>
+            <a:off x="677334" y="2160590"/>
+            <a:ext cx="8596668" cy="3113776"/>
+          </a:xfrm>
+        </p:spPr>
+        <p:txBody>
+          <a:bodyPr>
+            <a:normAutofit lnSpcReduction="10000"/>
+          </a:bodyPr>
+          <a:lstStyle/>
+          <a:p>
+            <a:r>
+              <a:rPr lang="zh-CN" altLang="en-US" sz="2800" dirty="0"/>
+              <a:t>创建</a:t>
+            </a:r>
+            <a:r>
+              <a:rPr lang="en-US" altLang="zh-CN" sz="2800" dirty="0"/>
+              <a:t>Stream</a:t>
+            </a:r>
+            <a:br>
+              <a:rPr lang="en-US" altLang="zh-CN" sz="2800" dirty="0"/>
+            </a:br>
+            <a:r>
+              <a:rPr lang="zh-CN" altLang="en-US" sz="2800" dirty="0"/>
+              <a:t>根据数据源，获取</a:t>
+            </a:r>
+            <a:r>
+              <a:rPr lang="en-US" altLang="zh-CN" sz="2800" dirty="0"/>
+              <a:t>stream</a:t>
+            </a:r>
+            <a:r>
+              <a:rPr lang="zh-CN" altLang="en-US" sz="2800" dirty="0"/>
+              <a:t>流</a:t>
+            </a:r>
+            <a:endParaRPr lang="en-US" altLang="zh-CN" sz="2800" dirty="0"/>
+          </a:p>
+          <a:p>
+            <a:r>
+              <a:rPr lang="zh-CN" altLang="en-US" sz="2800" dirty="0"/>
+              <a:t>中间操作</a:t>
+            </a:r>
+            <a:br>
+              <a:rPr lang="en-US" altLang="zh-CN" sz="2800" dirty="0"/>
+            </a:br>
+            <a:r>
+              <a:rPr lang="zh-CN" altLang="en-US" sz="2800" dirty="0"/>
+              <a:t>一连串的操作，对数据源中的数据进行处理</a:t>
+            </a:r>
+            <a:endParaRPr lang="en-US" altLang="zh-CN" sz="2800" dirty="0"/>
+          </a:p>
+          <a:p>
+            <a:r>
+              <a:rPr lang="zh-CN" altLang="en-US" sz="2800" dirty="0"/>
+              <a:t>终止操作</a:t>
+            </a:r>
+            <a:br>
+              <a:rPr lang="en-US" altLang="zh-CN" sz="2800" dirty="0"/>
+            </a:br>
+            <a:r>
+              <a:rPr lang="zh-CN" altLang="en-US" sz="2800" dirty="0"/>
+              <a:t>一个终止操作，执行中间操作链，产生结果</a:t>
+            </a:r>
+            <a:br>
+              <a:rPr lang="en-US" altLang="zh-CN" sz="2800" dirty="0"/>
+            </a:br>
+            <a:endParaRPr lang="en-US" altLang="zh-CN" sz="2800" dirty="0"/>
+          </a:p>
+        </p:txBody>
+      </p:sp>
+      <p:pic>
+        <p:nvPicPr>
+          <p:cNvPr id="3" name="图片 2">
+            <a:extLst>
+              <a:ext uri="{FF2B5EF4-FFF2-40B4-BE49-F238E27FC236}">
+                <a16:creationId xmlns:a16="http://schemas.microsoft.com/office/drawing/2014/main" id="{95899AF2-6332-4A86-99CA-D5DE2A484642}"/>
+              </a:ext>
+            </a:extLst>
+          </p:cNvPr>
+          <p:cNvPicPr>
+            <a:picLocks noChangeAspect="1"/>
+          </p:cNvPicPr>
+          <p:nvPr/>
+        </p:nvPicPr>
+        <p:blipFill>
+          <a:blip r:embed="rId2"/>
+          <a:stretch>
+            <a:fillRect/>
+          </a:stretch>
+        </p:blipFill>
+        <p:spPr>
+          <a:xfrm>
+            <a:off x="677334" y="4871143"/>
+            <a:ext cx="7578770" cy="1266825"/>
+          </a:xfrm>
+          <a:prstGeom prst="rect">
+            <a:avLst/>
+          </a:prstGeom>
+        </p:spPr>
+      </p:pic>
+    </p:spTree>
+    <p:extLst>
+      <p:ext uri="{BB962C8B-B14F-4D97-AF65-F5344CB8AC3E}">
+        <p14:creationId xmlns:p14="http://schemas.microsoft.com/office/powerpoint/2010/main" val="1378657399"/>
+      </p:ext>
+    </p:extLst>
+  </p:cSld>
+  <p:clrMapOvr>
+    <a:masterClrMapping/>
+  </p:clrMapOvr>
+</p:sld>
+</file>
+
+<file path=ppt/slides/slide11.xml><?xml version="1.0" encoding="utf-8"?>
+<p:sld xmlns:a="http://schemas.openxmlformats.org/drawingml/2006/main" xmlns:r="http://schemas.openxmlformats.org/officeDocument/2006/relationships" xmlns:p="http://schemas.openxmlformats.org/presentationml/2006/main">
+  <p:cSld>
+    <p:spTree>
+      <p:nvGrpSpPr>
+        <p:cNvPr id="1" name=""/>
+        <p:cNvGrpSpPr/>
+        <p:nvPr/>
+      </p:nvGrpSpPr>
+      <p:grpSpPr>
+        <a:xfrm>
+          <a:off x="0" y="0"/>
+          <a:ext cx="0" cy="0"/>
+          <a:chOff x="0" y="0"/>
+          <a:chExt cx="0" cy="0"/>
+        </a:xfrm>
+      </p:grpSpPr>
+      <p:sp>
+        <p:nvSpPr>
+          <p:cNvPr id="2" name="标题 1">
+            <a:extLst>
+              <a:ext uri="{FF2B5EF4-FFF2-40B4-BE49-F238E27FC236}">
+                <a16:creationId xmlns:a16="http://schemas.microsoft.com/office/drawing/2014/main" id="{1BE59C2E-CA8C-425D-B2DD-8529F702B14A}"/>
+              </a:ext>
+            </a:extLst>
+          </p:cNvPr>
+          <p:cNvSpPr>
+            <a:spLocks noGrp="1"/>
+          </p:cNvSpPr>
+          <p:nvPr>
+            <p:ph type="title"/>
+          </p:nvPr>
+        </p:nvSpPr>
+        <p:spPr>
+          <a:xfrm>
+            <a:off x="677334" y="609600"/>
+            <a:ext cx="8596668" cy="742122"/>
+          </a:xfrm>
+        </p:spPr>
+        <p:txBody>
+          <a:bodyPr/>
+          <a:lstStyle/>
+          <a:p>
+            <a:pPr algn="ctr"/>
+            <a:r>
+              <a:rPr lang="zh-CN" altLang="en-US" dirty="0">
+                <a:solidFill>
+                  <a:schemeClr val="tx1"/>
+                </a:solidFill>
+                <a:latin typeface="宋体" panose="02010600030101010101" pitchFamily="2" charset="-122"/>
+                <a:ea typeface="宋体" panose="02010600030101010101" pitchFamily="2" charset="-122"/>
+              </a:rPr>
+              <a:t>中间操作</a:t>
+            </a:r>
+          </a:p>
+        </p:txBody>
+      </p:sp>
+      <p:sp>
+        <p:nvSpPr>
+          <p:cNvPr id="4" name="文本框 3">
+            <a:extLst>
+              <a:ext uri="{FF2B5EF4-FFF2-40B4-BE49-F238E27FC236}">
+                <a16:creationId xmlns:a16="http://schemas.microsoft.com/office/drawing/2014/main" id="{1507A92F-BA87-431D-AC15-02EE5AC79756}"/>
+              </a:ext>
+            </a:extLst>
+          </p:cNvPr>
+          <p:cNvSpPr txBox="1"/>
+          <p:nvPr/>
+        </p:nvSpPr>
+        <p:spPr>
+          <a:xfrm>
+            <a:off x="1245704" y="1351722"/>
+            <a:ext cx="7765774" cy="5016758"/>
+          </a:xfrm>
+          <a:prstGeom prst="rect">
+            <a:avLst/>
+          </a:prstGeom>
+          <a:noFill/>
+        </p:spPr>
+        <p:txBody>
+          <a:bodyPr wrap="square" rtlCol="0">
+            <a:spAutoFit/>
+          </a:bodyPr>
+          <a:lstStyle/>
+          <a:p>
+            <a:r>
+              <a:rPr lang="en-US" altLang="zh-CN" sz="2000" dirty="0">
+                <a:latin typeface="宋体" panose="02010600030101010101" pitchFamily="2" charset="-122"/>
+                <a:ea typeface="宋体" panose="02010600030101010101" pitchFamily="2" charset="-122"/>
+              </a:rPr>
+              <a:t>1-</a:t>
+            </a:r>
+            <a:r>
+              <a:rPr lang="zh-CN" altLang="en-US" sz="2000" dirty="0">
+                <a:latin typeface="宋体" panose="02010600030101010101" pitchFamily="2" charset="-122"/>
+                <a:ea typeface="宋体" panose="02010600030101010101" pitchFamily="2" charset="-122"/>
+              </a:rPr>
+              <a:t>筛选与切片</a:t>
+            </a:r>
+          </a:p>
+          <a:p>
+            <a:r>
+              <a:rPr lang="en-US" altLang="zh-CN" sz="2000" dirty="0">
+                <a:latin typeface="宋体" panose="02010600030101010101" pitchFamily="2" charset="-122"/>
+                <a:ea typeface="宋体" panose="02010600030101010101" pitchFamily="2" charset="-122"/>
+              </a:rPr>
+              <a:t>	filter(Predicate p)——</a:t>
+            </a:r>
+            <a:r>
+              <a:rPr lang="zh-CN" altLang="en-US" sz="2000" dirty="0">
+                <a:latin typeface="宋体" panose="02010600030101010101" pitchFamily="2" charset="-122"/>
+                <a:ea typeface="宋体" panose="02010600030101010101" pitchFamily="2" charset="-122"/>
+              </a:rPr>
+              <a:t>接收 </a:t>
+            </a:r>
+            <a:r>
+              <a:rPr lang="en-US" altLang="zh-CN" sz="2000" dirty="0">
+                <a:latin typeface="宋体" panose="02010600030101010101" pitchFamily="2" charset="-122"/>
+                <a:ea typeface="宋体" panose="02010600030101010101" pitchFamily="2" charset="-122"/>
+              </a:rPr>
+              <a:t>Lambda </a:t>
+            </a:r>
+            <a:r>
+              <a:rPr lang="zh-CN" altLang="en-US" sz="2000" dirty="0">
+                <a:latin typeface="宋体" panose="02010600030101010101" pitchFamily="2" charset="-122"/>
+                <a:ea typeface="宋体" panose="02010600030101010101" pitchFamily="2" charset="-122"/>
+              </a:rPr>
+              <a:t>， 从流中排除某些元素。</a:t>
+            </a:r>
+          </a:p>
+          <a:p>
+            <a:r>
+              <a:rPr lang="en-US" altLang="zh-CN" sz="2000" dirty="0">
+                <a:latin typeface="宋体" panose="02010600030101010101" pitchFamily="2" charset="-122"/>
+                <a:ea typeface="宋体" panose="02010600030101010101" pitchFamily="2" charset="-122"/>
+              </a:rPr>
+              <a:t>	limit(n)——</a:t>
+            </a:r>
+            <a:r>
+              <a:rPr lang="zh-CN" altLang="en-US" sz="2000" dirty="0">
+                <a:latin typeface="宋体" panose="02010600030101010101" pitchFamily="2" charset="-122"/>
+                <a:ea typeface="宋体" panose="02010600030101010101" pitchFamily="2" charset="-122"/>
+              </a:rPr>
+              <a:t>截断流，使其元素不超过给定数量。</a:t>
+            </a:r>
+          </a:p>
+          <a:p>
+            <a:r>
+              <a:rPr lang="en-US" altLang="zh-CN" sz="2000" dirty="0">
+                <a:latin typeface="宋体" panose="02010600030101010101" pitchFamily="2" charset="-122"/>
+                <a:ea typeface="宋体" panose="02010600030101010101" pitchFamily="2" charset="-122"/>
+              </a:rPr>
+              <a:t>	skip(n) —— </a:t>
+            </a:r>
+            <a:r>
+              <a:rPr lang="zh-CN" altLang="en-US" sz="2000" dirty="0">
+                <a:latin typeface="宋体" panose="02010600030101010101" pitchFamily="2" charset="-122"/>
+                <a:ea typeface="宋体" panose="02010600030101010101" pitchFamily="2" charset="-122"/>
+              </a:rPr>
+              <a:t>跳过元素，返回一个扔掉了前 </a:t>
+            </a:r>
+            <a:r>
+              <a:rPr lang="en-US" altLang="zh-CN" sz="2000" dirty="0">
+                <a:latin typeface="宋体" panose="02010600030101010101" pitchFamily="2" charset="-122"/>
+                <a:ea typeface="宋体" panose="02010600030101010101" pitchFamily="2" charset="-122"/>
+              </a:rPr>
+              <a:t>n </a:t>
+            </a:r>
+            <a:r>
+              <a:rPr lang="zh-CN" altLang="en-US" sz="2000" dirty="0">
+                <a:latin typeface="宋体" panose="02010600030101010101" pitchFamily="2" charset="-122"/>
+                <a:ea typeface="宋体" panose="02010600030101010101" pitchFamily="2" charset="-122"/>
+              </a:rPr>
+              <a:t>个元素的流。若流中元素不足 </a:t>
+            </a:r>
+            <a:r>
+              <a:rPr lang="en-US" altLang="zh-CN" sz="2000" dirty="0">
+                <a:latin typeface="宋体" panose="02010600030101010101" pitchFamily="2" charset="-122"/>
+                <a:ea typeface="宋体" panose="02010600030101010101" pitchFamily="2" charset="-122"/>
+              </a:rPr>
+              <a:t>n </a:t>
+            </a:r>
+            <a:r>
+              <a:rPr lang="zh-CN" altLang="en-US" sz="2000" dirty="0">
+                <a:latin typeface="宋体" panose="02010600030101010101" pitchFamily="2" charset="-122"/>
+                <a:ea typeface="宋体" panose="02010600030101010101" pitchFamily="2" charset="-122"/>
+              </a:rPr>
+              <a:t>个，则返回一个空流。与 </a:t>
+            </a:r>
+            <a:r>
+              <a:rPr lang="en-US" altLang="zh-CN" sz="2000" dirty="0">
+                <a:latin typeface="宋体" panose="02010600030101010101" pitchFamily="2" charset="-122"/>
+                <a:ea typeface="宋体" panose="02010600030101010101" pitchFamily="2" charset="-122"/>
+              </a:rPr>
+              <a:t>limit(n) </a:t>
+            </a:r>
+            <a:r>
+              <a:rPr lang="zh-CN" altLang="en-US" sz="2000" dirty="0">
+                <a:latin typeface="宋体" panose="02010600030101010101" pitchFamily="2" charset="-122"/>
+                <a:ea typeface="宋体" panose="02010600030101010101" pitchFamily="2" charset="-122"/>
+              </a:rPr>
+              <a:t>互补</a:t>
+            </a:r>
+          </a:p>
+          <a:p>
+            <a:r>
+              <a:rPr lang="en-US" altLang="zh-CN" sz="2000" dirty="0">
+                <a:latin typeface="宋体" panose="02010600030101010101" pitchFamily="2" charset="-122"/>
+                <a:ea typeface="宋体" panose="02010600030101010101" pitchFamily="2" charset="-122"/>
+              </a:rPr>
+              <a:t>	distinct()——</a:t>
+            </a:r>
+            <a:r>
+              <a:rPr lang="zh-CN" altLang="en-US" sz="2000" dirty="0">
+                <a:latin typeface="宋体" panose="02010600030101010101" pitchFamily="2" charset="-122"/>
+                <a:ea typeface="宋体" panose="02010600030101010101" pitchFamily="2" charset="-122"/>
+              </a:rPr>
+              <a:t>筛选，通过流所生成元素的 </a:t>
+            </a:r>
+            <a:r>
+              <a:rPr lang="en-US" altLang="zh-CN" sz="2000" dirty="0" err="1">
+                <a:latin typeface="宋体" panose="02010600030101010101" pitchFamily="2" charset="-122"/>
+                <a:ea typeface="宋体" panose="02010600030101010101" pitchFamily="2" charset="-122"/>
+              </a:rPr>
+              <a:t>hashCode</a:t>
+            </a:r>
+            <a:r>
+              <a:rPr lang="en-US" altLang="zh-CN" sz="2000" dirty="0">
+                <a:latin typeface="宋体" panose="02010600030101010101" pitchFamily="2" charset="-122"/>
+                <a:ea typeface="宋体" panose="02010600030101010101" pitchFamily="2" charset="-122"/>
+              </a:rPr>
+              <a:t>() </a:t>
+            </a:r>
+            <a:r>
+              <a:rPr lang="zh-CN" altLang="en-US" sz="2000" dirty="0">
+                <a:latin typeface="宋体" panose="02010600030101010101" pitchFamily="2" charset="-122"/>
+                <a:ea typeface="宋体" panose="02010600030101010101" pitchFamily="2" charset="-122"/>
+              </a:rPr>
+              <a:t>和 </a:t>
+            </a:r>
+            <a:r>
+              <a:rPr lang="en-US" altLang="zh-CN" sz="2000" dirty="0">
+                <a:latin typeface="宋体" panose="02010600030101010101" pitchFamily="2" charset="-122"/>
+                <a:ea typeface="宋体" panose="02010600030101010101" pitchFamily="2" charset="-122"/>
+              </a:rPr>
+              <a:t>equals() </a:t>
+            </a:r>
+            <a:r>
+              <a:rPr lang="zh-CN" altLang="en-US" sz="2000" dirty="0">
+                <a:latin typeface="宋体" panose="02010600030101010101" pitchFamily="2" charset="-122"/>
+                <a:ea typeface="宋体" panose="02010600030101010101" pitchFamily="2" charset="-122"/>
+              </a:rPr>
+              <a:t>去除重复元素</a:t>
+            </a:r>
+          </a:p>
+          <a:p>
+            <a:r>
+              <a:rPr lang="en-US" altLang="zh-CN" sz="2000" dirty="0">
+                <a:latin typeface="宋体" panose="02010600030101010101" pitchFamily="2" charset="-122"/>
+                <a:ea typeface="宋体" panose="02010600030101010101" pitchFamily="2" charset="-122"/>
+              </a:rPr>
+              <a:t>2-</a:t>
+            </a:r>
+            <a:r>
+              <a:rPr lang="zh-CN" altLang="en-US" sz="2000" dirty="0">
+                <a:latin typeface="宋体" panose="02010600030101010101" pitchFamily="2" charset="-122"/>
+                <a:ea typeface="宋体" panose="02010600030101010101" pitchFamily="2" charset="-122"/>
+              </a:rPr>
+              <a:t>映射</a:t>
+            </a:r>
+          </a:p>
+          <a:p>
+            <a:r>
+              <a:rPr lang="en-US" altLang="zh-CN" sz="2000" dirty="0">
+                <a:latin typeface="宋体" panose="02010600030101010101" pitchFamily="2" charset="-122"/>
+                <a:ea typeface="宋体" panose="02010600030101010101" pitchFamily="2" charset="-122"/>
+              </a:rPr>
+              <a:t>	map(Function f)——</a:t>
+            </a:r>
+            <a:r>
+              <a:rPr lang="zh-CN" altLang="en-US" sz="2000" dirty="0">
+                <a:latin typeface="宋体" panose="02010600030101010101" pitchFamily="2" charset="-122"/>
+                <a:ea typeface="宋体" panose="02010600030101010101" pitchFamily="2" charset="-122"/>
+              </a:rPr>
+              <a:t>接收 </a:t>
+            </a:r>
+            <a:r>
+              <a:rPr lang="en-US" altLang="zh-CN" sz="2000" dirty="0">
+                <a:latin typeface="宋体" panose="02010600030101010101" pitchFamily="2" charset="-122"/>
+                <a:ea typeface="宋体" panose="02010600030101010101" pitchFamily="2" charset="-122"/>
+              </a:rPr>
+              <a:t>Lambda</a:t>
+            </a:r>
+            <a:r>
+              <a:rPr lang="zh-CN" altLang="en-US" sz="2000" dirty="0">
+                <a:latin typeface="宋体" panose="02010600030101010101" pitchFamily="2" charset="-122"/>
+                <a:ea typeface="宋体" panose="02010600030101010101" pitchFamily="2" charset="-122"/>
+              </a:rPr>
+              <a:t>，将元素转换成其他形式或提取信息。接收一个函数作为参数，该函数会被应用到每个元素上，并将其映射成一个新的元素。</a:t>
+            </a:r>
+          </a:p>
+          <a:p>
+            <a:r>
+              <a:rPr lang="en-US" altLang="zh-CN" sz="2000" dirty="0">
+                <a:latin typeface="宋体" panose="02010600030101010101" pitchFamily="2" charset="-122"/>
+                <a:ea typeface="宋体" panose="02010600030101010101" pitchFamily="2" charset="-122"/>
+              </a:rPr>
+              <a:t>	</a:t>
+            </a:r>
+            <a:r>
+              <a:rPr lang="en-US" altLang="zh-CN" sz="2000" dirty="0" err="1">
+                <a:latin typeface="宋体" panose="02010600030101010101" pitchFamily="2" charset="-122"/>
+                <a:ea typeface="宋体" panose="02010600030101010101" pitchFamily="2" charset="-122"/>
+              </a:rPr>
+              <a:t>flatMap</a:t>
+            </a:r>
+            <a:r>
+              <a:rPr lang="en-US" altLang="zh-CN" sz="2000" dirty="0">
+                <a:latin typeface="宋体" panose="02010600030101010101" pitchFamily="2" charset="-122"/>
+                <a:ea typeface="宋体" panose="02010600030101010101" pitchFamily="2" charset="-122"/>
+              </a:rPr>
+              <a:t>(Function f)——</a:t>
+            </a:r>
+            <a:r>
+              <a:rPr lang="zh-CN" altLang="en-US" sz="2000" dirty="0">
+                <a:latin typeface="宋体" panose="02010600030101010101" pitchFamily="2" charset="-122"/>
+                <a:ea typeface="宋体" panose="02010600030101010101" pitchFamily="2" charset="-122"/>
+              </a:rPr>
+              <a:t>接收一个函数作为参数，将流中的每个值都换成另一个流，然后把所有流连接成一个流。</a:t>
+            </a:r>
+          </a:p>
+          <a:p>
+            <a:r>
+              <a:rPr lang="en-US" altLang="zh-CN" sz="2000" dirty="0">
+                <a:latin typeface="宋体" panose="02010600030101010101" pitchFamily="2" charset="-122"/>
+                <a:ea typeface="宋体" panose="02010600030101010101" pitchFamily="2" charset="-122"/>
+              </a:rPr>
+              <a:t>3-</a:t>
+            </a:r>
+            <a:r>
+              <a:rPr lang="zh-CN" altLang="en-US" sz="2000" dirty="0">
+                <a:latin typeface="宋体" panose="02010600030101010101" pitchFamily="2" charset="-122"/>
+                <a:ea typeface="宋体" panose="02010600030101010101" pitchFamily="2" charset="-122"/>
+              </a:rPr>
+              <a:t>排序</a:t>
+            </a:r>
+          </a:p>
+          <a:p>
+            <a:r>
+              <a:rPr lang="en-US" altLang="zh-CN" sz="2000" dirty="0">
+                <a:latin typeface="宋体" panose="02010600030101010101" pitchFamily="2" charset="-122"/>
+                <a:ea typeface="宋体" panose="02010600030101010101" pitchFamily="2" charset="-122"/>
+              </a:rPr>
+              <a:t>	sorted()——</a:t>
+            </a:r>
+            <a:r>
+              <a:rPr lang="zh-CN" altLang="en-US" sz="2000" dirty="0">
+                <a:latin typeface="宋体" panose="02010600030101010101" pitchFamily="2" charset="-122"/>
+                <a:ea typeface="宋体" panose="02010600030101010101" pitchFamily="2" charset="-122"/>
+              </a:rPr>
+              <a:t>自然排序</a:t>
+            </a:r>
+          </a:p>
+          <a:p>
+            <a:r>
+              <a:rPr lang="en-US" altLang="zh-CN" sz="2000" dirty="0">
+                <a:latin typeface="宋体" panose="02010600030101010101" pitchFamily="2" charset="-122"/>
+                <a:ea typeface="宋体" panose="02010600030101010101" pitchFamily="2" charset="-122"/>
+              </a:rPr>
+              <a:t>	sorted(Comparator com)——</a:t>
+            </a:r>
+            <a:r>
+              <a:rPr lang="zh-CN" altLang="en-US" sz="2000" dirty="0">
+                <a:latin typeface="宋体" panose="02010600030101010101" pitchFamily="2" charset="-122"/>
+                <a:ea typeface="宋体" panose="02010600030101010101" pitchFamily="2" charset="-122"/>
+              </a:rPr>
+              <a:t>定制排序</a:t>
+            </a:r>
+          </a:p>
+        </p:txBody>
+      </p:sp>
+    </p:spTree>
+    <p:extLst>
+      <p:ext uri="{BB962C8B-B14F-4D97-AF65-F5344CB8AC3E}">
+        <p14:creationId xmlns:p14="http://schemas.microsoft.com/office/powerpoint/2010/main" val="249653933"/>
+      </p:ext>
+    </p:extLst>
+  </p:cSld>
+  <p:clrMapOvr>
+    <a:masterClrMapping/>
+  </p:clrMapOvr>
+</p:sld>
+</file>
+
+<file path=ppt/slides/slide12.xml><?xml version="1.0" encoding="utf-8"?>
+<p:sld xmlns:a="http://schemas.openxmlformats.org/drawingml/2006/main" xmlns:r="http://schemas.openxmlformats.org/officeDocument/2006/relationships" xmlns:p="http://schemas.openxmlformats.org/presentationml/2006/main">
+  <p:cSld>
+    <p:spTree>
+      <p:nvGrpSpPr>
+        <p:cNvPr id="1" name=""/>
+        <p:cNvGrpSpPr/>
+        <p:nvPr/>
+      </p:nvGrpSpPr>
+      <p:grpSpPr>
+        <a:xfrm>
+          <a:off x="0" y="0"/>
+          <a:ext cx="0" cy="0"/>
+          <a:chOff x="0" y="0"/>
+          <a:chExt cx="0" cy="0"/>
+        </a:xfrm>
+      </p:grpSpPr>
+      <p:sp>
+        <p:nvSpPr>
+          <p:cNvPr id="2" name="标题 1">
+            <a:extLst>
+              <a:ext uri="{FF2B5EF4-FFF2-40B4-BE49-F238E27FC236}">
+                <a16:creationId xmlns:a16="http://schemas.microsoft.com/office/drawing/2014/main" id="{3AD90F71-E866-47D4-B38F-12265EFF09F8}"/>
+              </a:ext>
+            </a:extLst>
+          </p:cNvPr>
+          <p:cNvSpPr>
+            <a:spLocks noGrp="1"/>
+          </p:cNvSpPr>
+          <p:nvPr>
+            <p:ph type="title"/>
+          </p:nvPr>
+        </p:nvSpPr>
+        <p:spPr>
+          <a:xfrm>
+            <a:off x="803966" y="185530"/>
+            <a:ext cx="8596668" cy="715617"/>
+          </a:xfrm>
+        </p:spPr>
+        <p:txBody>
+          <a:bodyPr/>
+          <a:lstStyle/>
+          <a:p>
+            <a:pPr algn="ctr"/>
+            <a:r>
+              <a:rPr lang="zh-CN" altLang="en-US" dirty="0">
+                <a:solidFill>
+                  <a:schemeClr val="tx1"/>
+                </a:solidFill>
+                <a:latin typeface="宋体" panose="02010600030101010101" pitchFamily="2" charset="-122"/>
+                <a:ea typeface="宋体" panose="02010600030101010101" pitchFamily="2" charset="-122"/>
+              </a:rPr>
+              <a:t>终止操作</a:t>
+            </a:r>
+          </a:p>
+        </p:txBody>
+      </p:sp>
+      <p:sp>
+        <p:nvSpPr>
+          <p:cNvPr id="4" name="文本框 3">
+            <a:extLst>
+              <a:ext uri="{FF2B5EF4-FFF2-40B4-BE49-F238E27FC236}">
+                <a16:creationId xmlns:a16="http://schemas.microsoft.com/office/drawing/2014/main" id="{756922AA-1443-4E6C-B036-599F0F7F1AE8}"/>
+              </a:ext>
+            </a:extLst>
+          </p:cNvPr>
+          <p:cNvSpPr txBox="1"/>
+          <p:nvPr/>
+        </p:nvSpPr>
+        <p:spPr>
+          <a:xfrm>
+            <a:off x="974771" y="901147"/>
+            <a:ext cx="8425863" cy="5632311"/>
+          </a:xfrm>
+          <a:prstGeom prst="rect">
+            <a:avLst/>
+          </a:prstGeom>
+          <a:noFill/>
+        </p:spPr>
+        <p:txBody>
+          <a:bodyPr wrap="square" rtlCol="0">
+            <a:spAutoFit/>
+          </a:bodyPr>
+          <a:lstStyle/>
+          <a:p>
+            <a:r>
+              <a:rPr lang="en-US" altLang="zh-CN" sz="2000" dirty="0">
+                <a:latin typeface="宋体" panose="02010600030101010101" pitchFamily="2" charset="-122"/>
+                <a:ea typeface="宋体" panose="02010600030101010101" pitchFamily="2" charset="-122"/>
+              </a:rPr>
+              <a:t>1- </a:t>
+            </a:r>
+            <a:r>
+              <a:rPr lang="zh-CN" altLang="en-US" sz="2000" dirty="0">
+                <a:latin typeface="宋体" panose="02010600030101010101" pitchFamily="2" charset="-122"/>
+                <a:ea typeface="宋体" panose="02010600030101010101" pitchFamily="2" charset="-122"/>
+              </a:rPr>
+              <a:t>查找与匹配</a:t>
+            </a:r>
+          </a:p>
+          <a:p>
+            <a:pPr lvl="1"/>
+            <a:r>
+              <a:rPr lang="en-US" altLang="zh-CN" sz="2000" dirty="0" err="1">
+                <a:latin typeface="宋体" panose="02010600030101010101" pitchFamily="2" charset="-122"/>
+                <a:ea typeface="宋体" panose="02010600030101010101" pitchFamily="2" charset="-122"/>
+              </a:rPr>
+              <a:t>allMatch</a:t>
+            </a:r>
+            <a:r>
+              <a:rPr lang="en-US" altLang="zh-CN" sz="2000" dirty="0">
+                <a:latin typeface="宋体" panose="02010600030101010101" pitchFamily="2" charset="-122"/>
+                <a:ea typeface="宋体" panose="02010600030101010101" pitchFamily="2" charset="-122"/>
+              </a:rPr>
+              <a:t>(Predicate p)——</a:t>
+            </a:r>
+            <a:r>
+              <a:rPr lang="zh-CN" altLang="en-US" sz="2000" dirty="0">
+                <a:latin typeface="宋体" panose="02010600030101010101" pitchFamily="2" charset="-122"/>
+                <a:ea typeface="宋体" panose="02010600030101010101" pitchFamily="2" charset="-122"/>
+              </a:rPr>
+              <a:t>检查是否匹配所有元素</a:t>
+            </a:r>
+          </a:p>
+          <a:p>
+            <a:pPr lvl="1"/>
+            <a:r>
+              <a:rPr lang="en-US" altLang="zh-CN" sz="2000" dirty="0" err="1">
+                <a:latin typeface="宋体" panose="02010600030101010101" pitchFamily="2" charset="-122"/>
+                <a:ea typeface="宋体" panose="02010600030101010101" pitchFamily="2" charset="-122"/>
+              </a:rPr>
+              <a:t>anyMatch</a:t>
+            </a:r>
+            <a:r>
+              <a:rPr lang="en-US" altLang="zh-CN" sz="2000" dirty="0">
+                <a:latin typeface="宋体" panose="02010600030101010101" pitchFamily="2" charset="-122"/>
+                <a:ea typeface="宋体" panose="02010600030101010101" pitchFamily="2" charset="-122"/>
+              </a:rPr>
+              <a:t>(Predicate p)——</a:t>
+            </a:r>
+            <a:r>
+              <a:rPr lang="zh-CN" altLang="en-US" sz="2000" dirty="0">
+                <a:latin typeface="宋体" panose="02010600030101010101" pitchFamily="2" charset="-122"/>
+                <a:ea typeface="宋体" panose="02010600030101010101" pitchFamily="2" charset="-122"/>
+              </a:rPr>
+              <a:t>检查是否至少匹配一个元素</a:t>
+            </a:r>
+          </a:p>
+          <a:p>
+            <a:pPr lvl="1"/>
+            <a:r>
+              <a:rPr lang="en-US" altLang="zh-CN" sz="2000" dirty="0" err="1">
+                <a:latin typeface="宋体" panose="02010600030101010101" pitchFamily="2" charset="-122"/>
+                <a:ea typeface="宋体" panose="02010600030101010101" pitchFamily="2" charset="-122"/>
+              </a:rPr>
+              <a:t>noneMatch</a:t>
+            </a:r>
+            <a:r>
+              <a:rPr lang="en-US" altLang="zh-CN" sz="2000" dirty="0">
+                <a:latin typeface="宋体" panose="02010600030101010101" pitchFamily="2" charset="-122"/>
+                <a:ea typeface="宋体" panose="02010600030101010101" pitchFamily="2" charset="-122"/>
+              </a:rPr>
+              <a:t>(Predicate p)——</a:t>
+            </a:r>
+            <a:r>
+              <a:rPr lang="zh-CN" altLang="en-US" sz="2000" dirty="0">
+                <a:latin typeface="宋体" panose="02010600030101010101" pitchFamily="2" charset="-122"/>
+                <a:ea typeface="宋体" panose="02010600030101010101" pitchFamily="2" charset="-122"/>
+              </a:rPr>
+              <a:t>检查是否没有匹配的元素</a:t>
+            </a:r>
+          </a:p>
+          <a:p>
+            <a:pPr lvl="1"/>
+            <a:r>
+              <a:rPr lang="en-US" altLang="zh-CN" sz="2000" dirty="0" err="1">
+                <a:latin typeface="宋体" panose="02010600030101010101" pitchFamily="2" charset="-122"/>
+                <a:ea typeface="宋体" panose="02010600030101010101" pitchFamily="2" charset="-122"/>
+              </a:rPr>
+              <a:t>findFirst</a:t>
+            </a:r>
+            <a:r>
+              <a:rPr lang="en-US" altLang="zh-CN" sz="2000" dirty="0">
+                <a:latin typeface="宋体" panose="02010600030101010101" pitchFamily="2" charset="-122"/>
+                <a:ea typeface="宋体" panose="02010600030101010101" pitchFamily="2" charset="-122"/>
+              </a:rPr>
+              <a:t>——</a:t>
+            </a:r>
+            <a:r>
+              <a:rPr lang="zh-CN" altLang="en-US" sz="2000" dirty="0">
+                <a:latin typeface="宋体" panose="02010600030101010101" pitchFamily="2" charset="-122"/>
+                <a:ea typeface="宋体" panose="02010600030101010101" pitchFamily="2" charset="-122"/>
+              </a:rPr>
+              <a:t>返回第一个元素</a:t>
+            </a:r>
+          </a:p>
+          <a:p>
+            <a:pPr lvl="1"/>
+            <a:r>
+              <a:rPr lang="en-US" altLang="zh-CN" sz="2000" dirty="0" err="1">
+                <a:latin typeface="宋体" panose="02010600030101010101" pitchFamily="2" charset="-122"/>
+                <a:ea typeface="宋体" panose="02010600030101010101" pitchFamily="2" charset="-122"/>
+              </a:rPr>
+              <a:t>findAny</a:t>
+            </a:r>
+            <a:r>
+              <a:rPr lang="en-US" altLang="zh-CN" sz="2000" dirty="0">
+                <a:latin typeface="宋体" panose="02010600030101010101" pitchFamily="2" charset="-122"/>
+                <a:ea typeface="宋体" panose="02010600030101010101" pitchFamily="2" charset="-122"/>
+              </a:rPr>
+              <a:t>——</a:t>
+            </a:r>
+            <a:r>
+              <a:rPr lang="zh-CN" altLang="en-US" sz="2000" dirty="0">
+                <a:latin typeface="宋体" panose="02010600030101010101" pitchFamily="2" charset="-122"/>
+                <a:ea typeface="宋体" panose="02010600030101010101" pitchFamily="2" charset="-122"/>
+              </a:rPr>
+              <a:t>返回当前流中的任意元素</a:t>
+            </a:r>
+          </a:p>
+          <a:p>
+            <a:pPr lvl="1"/>
+            <a:r>
+              <a:rPr lang="en-US" altLang="zh-CN" sz="2000" dirty="0">
+                <a:latin typeface="宋体" panose="02010600030101010101" pitchFamily="2" charset="-122"/>
+                <a:ea typeface="宋体" panose="02010600030101010101" pitchFamily="2" charset="-122"/>
+              </a:rPr>
+              <a:t>count——</a:t>
+            </a:r>
+            <a:r>
+              <a:rPr lang="zh-CN" altLang="en-US" sz="2000" dirty="0">
+                <a:latin typeface="宋体" panose="02010600030101010101" pitchFamily="2" charset="-122"/>
+                <a:ea typeface="宋体" panose="02010600030101010101" pitchFamily="2" charset="-122"/>
+              </a:rPr>
+              <a:t>返回流中元素的总个数</a:t>
+            </a:r>
+          </a:p>
+          <a:p>
+            <a:pPr lvl="1"/>
+            <a:r>
+              <a:rPr lang="en-US" altLang="zh-CN" sz="2000" dirty="0">
+                <a:latin typeface="宋体" panose="02010600030101010101" pitchFamily="2" charset="-122"/>
+                <a:ea typeface="宋体" panose="02010600030101010101" pitchFamily="2" charset="-122"/>
+              </a:rPr>
+              <a:t>max(Comparator c)——</a:t>
+            </a:r>
+            <a:r>
+              <a:rPr lang="zh-CN" altLang="en-US" sz="2000" dirty="0">
+                <a:latin typeface="宋体" panose="02010600030101010101" pitchFamily="2" charset="-122"/>
+                <a:ea typeface="宋体" panose="02010600030101010101" pitchFamily="2" charset="-122"/>
+              </a:rPr>
+              <a:t>返回流中最大值</a:t>
+            </a:r>
+          </a:p>
+          <a:p>
+            <a:pPr lvl="1"/>
+            <a:r>
+              <a:rPr lang="en-US" altLang="zh-CN" sz="2000" dirty="0">
+                <a:latin typeface="宋体" panose="02010600030101010101" pitchFamily="2" charset="-122"/>
+                <a:ea typeface="宋体" panose="02010600030101010101" pitchFamily="2" charset="-122"/>
+              </a:rPr>
+              <a:t>min(Comparator c)——</a:t>
+            </a:r>
+            <a:r>
+              <a:rPr lang="zh-CN" altLang="en-US" sz="2000" dirty="0">
+                <a:latin typeface="宋体" panose="02010600030101010101" pitchFamily="2" charset="-122"/>
+                <a:ea typeface="宋体" panose="02010600030101010101" pitchFamily="2" charset="-122"/>
+              </a:rPr>
+              <a:t>返回流中最小值</a:t>
+            </a:r>
+          </a:p>
+          <a:p>
+            <a:pPr lvl="1"/>
+            <a:r>
+              <a:rPr lang="en-US" altLang="zh-CN" sz="2000" dirty="0" err="1">
+                <a:latin typeface="宋体" panose="02010600030101010101" pitchFamily="2" charset="-122"/>
+                <a:ea typeface="宋体" panose="02010600030101010101" pitchFamily="2" charset="-122"/>
+              </a:rPr>
+              <a:t>forEach</a:t>
+            </a:r>
+            <a:r>
+              <a:rPr lang="en-US" altLang="zh-CN" sz="2000" dirty="0">
+                <a:latin typeface="宋体" panose="02010600030101010101" pitchFamily="2" charset="-122"/>
+                <a:ea typeface="宋体" panose="02010600030101010101" pitchFamily="2" charset="-122"/>
+              </a:rPr>
+              <a:t>(Consumer c)——</a:t>
+            </a:r>
+            <a:r>
+              <a:rPr lang="zh-CN" altLang="en-US" sz="2000" dirty="0">
+                <a:latin typeface="宋体" panose="02010600030101010101" pitchFamily="2" charset="-122"/>
+                <a:ea typeface="宋体" panose="02010600030101010101" pitchFamily="2" charset="-122"/>
+              </a:rPr>
+              <a:t>内部迭代</a:t>
+            </a:r>
+          </a:p>
+          <a:p>
+            <a:r>
+              <a:rPr lang="en-US" altLang="zh-CN" sz="2000" dirty="0">
+                <a:latin typeface="宋体" panose="02010600030101010101" pitchFamily="2" charset="-122"/>
+                <a:ea typeface="宋体" panose="02010600030101010101" pitchFamily="2" charset="-122"/>
+              </a:rPr>
+              <a:t>2-</a:t>
+            </a:r>
+            <a:r>
+              <a:rPr lang="zh-CN" altLang="en-US" sz="2000" dirty="0">
+                <a:latin typeface="宋体" panose="02010600030101010101" pitchFamily="2" charset="-122"/>
+                <a:ea typeface="宋体" panose="02010600030101010101" pitchFamily="2" charset="-122"/>
+              </a:rPr>
+              <a:t>归约</a:t>
+            </a:r>
+          </a:p>
+          <a:p>
+            <a:pPr lvl="1"/>
+            <a:r>
+              <a:rPr lang="en-US" altLang="zh-CN" sz="2000" dirty="0">
+                <a:latin typeface="宋体" panose="02010600030101010101" pitchFamily="2" charset="-122"/>
+                <a:ea typeface="宋体" panose="02010600030101010101" pitchFamily="2" charset="-122"/>
+              </a:rPr>
+              <a:t>reduce(T identity, </a:t>
+            </a:r>
+            <a:r>
+              <a:rPr lang="en-US" altLang="zh-CN" sz="2000" dirty="0" err="1">
+                <a:latin typeface="宋体" panose="02010600030101010101" pitchFamily="2" charset="-122"/>
+                <a:ea typeface="宋体" panose="02010600030101010101" pitchFamily="2" charset="-122"/>
+              </a:rPr>
+              <a:t>BinaryOperator</a:t>
+            </a:r>
+            <a:r>
+              <a:rPr lang="en-US" altLang="zh-CN" sz="2000" dirty="0">
+                <a:latin typeface="宋体" panose="02010600030101010101" pitchFamily="2" charset="-122"/>
+                <a:ea typeface="宋体" panose="02010600030101010101" pitchFamily="2" charset="-122"/>
+              </a:rPr>
+              <a:t>)——</a:t>
+            </a:r>
+            <a:r>
+              <a:rPr lang="zh-CN" altLang="en-US" sz="2000" dirty="0">
+                <a:latin typeface="宋体" panose="02010600030101010101" pitchFamily="2" charset="-122"/>
+                <a:ea typeface="宋体" panose="02010600030101010101" pitchFamily="2" charset="-122"/>
+              </a:rPr>
+              <a:t>可以将流中元素反复结合起来，得到一个值。返回 </a:t>
+            </a:r>
+            <a:r>
+              <a:rPr lang="en-US" altLang="zh-CN" sz="2000" dirty="0">
+                <a:latin typeface="宋体" panose="02010600030101010101" pitchFamily="2" charset="-122"/>
+                <a:ea typeface="宋体" panose="02010600030101010101" pitchFamily="2" charset="-122"/>
+              </a:rPr>
+              <a:t>T  </a:t>
+            </a:r>
+          </a:p>
+          <a:p>
+            <a:pPr lvl="1"/>
+            <a:r>
+              <a:rPr lang="en-US" altLang="zh-CN" sz="2000" dirty="0">
+                <a:latin typeface="宋体" panose="02010600030101010101" pitchFamily="2" charset="-122"/>
+                <a:ea typeface="宋体" panose="02010600030101010101" pitchFamily="2" charset="-122"/>
+              </a:rPr>
+              <a:t>reduce(</a:t>
+            </a:r>
+            <a:r>
+              <a:rPr lang="en-US" altLang="zh-CN" sz="2000" dirty="0" err="1">
+                <a:latin typeface="宋体" panose="02010600030101010101" pitchFamily="2" charset="-122"/>
+                <a:ea typeface="宋体" panose="02010600030101010101" pitchFamily="2" charset="-122"/>
+              </a:rPr>
+              <a:t>BinaryOperator</a:t>
+            </a:r>
+            <a:r>
+              <a:rPr lang="en-US" altLang="zh-CN" sz="2000" dirty="0">
+                <a:latin typeface="宋体" panose="02010600030101010101" pitchFamily="2" charset="-122"/>
+                <a:ea typeface="宋体" panose="02010600030101010101" pitchFamily="2" charset="-122"/>
+              </a:rPr>
+              <a:t>) ——</a:t>
+            </a:r>
+            <a:r>
+              <a:rPr lang="zh-CN" altLang="en-US" sz="2000" dirty="0">
+                <a:latin typeface="宋体" panose="02010600030101010101" pitchFamily="2" charset="-122"/>
+                <a:ea typeface="宋体" panose="02010600030101010101" pitchFamily="2" charset="-122"/>
+              </a:rPr>
+              <a:t>可以将流中元素反复结合起来，得到一个值。返回 </a:t>
+            </a:r>
+            <a:r>
+              <a:rPr lang="en-US" altLang="zh-CN" sz="2000" dirty="0">
+                <a:latin typeface="宋体" panose="02010600030101010101" pitchFamily="2" charset="-122"/>
+                <a:ea typeface="宋体" panose="02010600030101010101" pitchFamily="2" charset="-122"/>
+              </a:rPr>
+              <a:t>Optional&lt;T&gt;</a:t>
+            </a:r>
+          </a:p>
+          <a:p>
+            <a:r>
+              <a:rPr lang="en-US" altLang="zh-CN" sz="2000" dirty="0">
+                <a:latin typeface="宋体" panose="02010600030101010101" pitchFamily="2" charset="-122"/>
+                <a:ea typeface="宋体" panose="02010600030101010101" pitchFamily="2" charset="-122"/>
+              </a:rPr>
+              <a:t>3-</a:t>
+            </a:r>
+            <a:r>
+              <a:rPr lang="zh-CN" altLang="en-US" sz="2000" dirty="0">
+                <a:latin typeface="宋体" panose="02010600030101010101" pitchFamily="2" charset="-122"/>
+                <a:ea typeface="宋体" panose="02010600030101010101" pitchFamily="2" charset="-122"/>
+              </a:rPr>
+              <a:t>收集</a:t>
+            </a:r>
+          </a:p>
+          <a:p>
+            <a:pPr lvl="1"/>
+            <a:r>
+              <a:rPr lang="en-US" altLang="zh-CN" sz="2000" dirty="0">
+                <a:latin typeface="宋体" panose="02010600030101010101" pitchFamily="2" charset="-122"/>
+                <a:ea typeface="宋体" panose="02010600030101010101" pitchFamily="2" charset="-122"/>
+              </a:rPr>
+              <a:t>collect(Collector c)——</a:t>
+            </a:r>
+            <a:r>
+              <a:rPr lang="zh-CN" altLang="en-US" sz="2000" dirty="0">
+                <a:latin typeface="宋体" panose="02010600030101010101" pitchFamily="2" charset="-122"/>
+                <a:ea typeface="宋体" panose="02010600030101010101" pitchFamily="2" charset="-122"/>
+              </a:rPr>
+              <a:t>将流转换为其他形式。接收一个 </a:t>
+            </a:r>
+            <a:r>
+              <a:rPr lang="en-US" altLang="zh-CN" sz="2000" dirty="0">
+                <a:latin typeface="宋体" panose="02010600030101010101" pitchFamily="2" charset="-122"/>
+                <a:ea typeface="宋体" panose="02010600030101010101" pitchFamily="2" charset="-122"/>
+              </a:rPr>
+              <a:t>Collector</a:t>
+            </a:r>
+            <a:r>
+              <a:rPr lang="zh-CN" altLang="en-US" sz="2000" dirty="0">
+                <a:latin typeface="宋体" panose="02010600030101010101" pitchFamily="2" charset="-122"/>
+                <a:ea typeface="宋体" panose="02010600030101010101" pitchFamily="2" charset="-122"/>
+              </a:rPr>
+              <a:t>接口的实现，用于给</a:t>
+            </a:r>
+            <a:r>
+              <a:rPr lang="en-US" altLang="zh-CN" sz="2000" dirty="0">
+                <a:latin typeface="宋体" panose="02010600030101010101" pitchFamily="2" charset="-122"/>
+                <a:ea typeface="宋体" panose="02010600030101010101" pitchFamily="2" charset="-122"/>
+              </a:rPr>
+              <a:t>Stream</a:t>
+            </a:r>
+            <a:r>
+              <a:rPr lang="zh-CN" altLang="en-US" sz="2000" dirty="0">
+                <a:latin typeface="宋体" panose="02010600030101010101" pitchFamily="2" charset="-122"/>
+                <a:ea typeface="宋体" panose="02010600030101010101" pitchFamily="2" charset="-122"/>
+              </a:rPr>
+              <a:t>中元素做汇总的方法</a:t>
+            </a:r>
+          </a:p>
+        </p:txBody>
+      </p:sp>
+    </p:spTree>
+    <p:extLst>
+      <p:ext uri="{BB962C8B-B14F-4D97-AF65-F5344CB8AC3E}">
+        <p14:creationId xmlns:p14="http://schemas.microsoft.com/office/powerpoint/2010/main" val="418516970"/>
+      </p:ext>
+    </p:extLst>
+  </p:cSld>
+  <p:clrMapOvr>
+    <a:masterClrMapping/>
+  </p:clrMapOvr>
+</p:sld>
+</file>
+
+<file path=ppt/slides/slide13.xml><?xml version="1.0" encoding="utf-8"?>
+<p:sld xmlns:a="http://schemas.openxmlformats.org/drawingml/2006/main" xmlns:r="http://schemas.openxmlformats.org/officeDocument/2006/relationships" xmlns:p="http://schemas.openxmlformats.org/presentationml/2006/main">
+  <p:cSld>
+    <p:spTree>
+      <p:nvGrpSpPr>
+        <p:cNvPr id="1" name=""/>
+        <p:cNvGrpSpPr/>
+        <p:nvPr/>
+      </p:nvGrpSpPr>
+      <p:grpSpPr>
+        <a:xfrm>
+          <a:off x="0" y="0"/>
+          <a:ext cx="0" cy="0"/>
+          <a:chOff x="0" y="0"/>
+          <a:chExt cx="0" cy="0"/>
+        </a:xfrm>
+      </p:grpSpPr>
+      <p:sp>
+        <p:nvSpPr>
+          <p:cNvPr id="6" name="文本框 5">
+            <a:extLst>
+              <a:ext uri="{FF2B5EF4-FFF2-40B4-BE49-F238E27FC236}">
+                <a16:creationId xmlns:a16="http://schemas.microsoft.com/office/drawing/2014/main" id="{BBF522D7-01EF-40B6-91D4-404325682645}"/>
+              </a:ext>
+            </a:extLst>
+          </p:cNvPr>
+          <p:cNvSpPr txBox="1"/>
+          <p:nvPr/>
+        </p:nvSpPr>
+        <p:spPr>
+          <a:xfrm>
+            <a:off x="795130" y="1166191"/>
+            <a:ext cx="7500731" cy="3970318"/>
+          </a:xfrm>
+          <a:prstGeom prst="rect">
+            <a:avLst/>
+          </a:prstGeom>
+          <a:noFill/>
+        </p:spPr>
+        <p:txBody>
+          <a:bodyPr wrap="square" rtlCol="0">
+            <a:spAutoFit/>
+          </a:bodyPr>
+          <a:lstStyle/>
+          <a:p>
+            <a:r>
+              <a:rPr lang="en-US" altLang="zh-CN" dirty="0">
+                <a:latin typeface="宋体" panose="02010600030101010101" pitchFamily="2" charset="-122"/>
+                <a:ea typeface="宋体" panose="02010600030101010101" pitchFamily="2" charset="-122"/>
+              </a:rPr>
+              <a:t>1.</a:t>
+            </a:r>
+            <a:r>
+              <a:rPr lang="zh-CN" altLang="en-US" dirty="0">
+                <a:latin typeface="宋体" panose="02010600030101010101" pitchFamily="2" charset="-122"/>
+                <a:ea typeface="宋体" panose="02010600030101010101" pitchFamily="2" charset="-122"/>
+              </a:rPr>
+              <a:t>下面哪个选项不是</a:t>
+            </a:r>
+            <a:r>
+              <a:rPr lang="en-US" altLang="zh-CN" dirty="0">
+                <a:latin typeface="宋体" panose="02010600030101010101" pitchFamily="2" charset="-122"/>
+                <a:ea typeface="宋体" panose="02010600030101010101" pitchFamily="2" charset="-122"/>
+              </a:rPr>
+              <a:t>jdk8</a:t>
+            </a:r>
+            <a:r>
+              <a:rPr lang="zh-CN" altLang="en-US" dirty="0">
+                <a:latin typeface="宋体" panose="02010600030101010101" pitchFamily="2" charset="-122"/>
+                <a:ea typeface="宋体" panose="02010600030101010101" pitchFamily="2" charset="-122"/>
+              </a:rPr>
+              <a:t>新特性？</a:t>
+            </a:r>
+            <a:endParaRPr lang="en-US" altLang="zh-CN" dirty="0">
+              <a:latin typeface="宋体" panose="02010600030101010101" pitchFamily="2" charset="-122"/>
+              <a:ea typeface="宋体" panose="02010600030101010101" pitchFamily="2" charset="-122"/>
+            </a:endParaRPr>
+          </a:p>
+          <a:p>
+            <a:pPr lvl="1"/>
+            <a:r>
+              <a:rPr lang="en-US" altLang="zh-CN" dirty="0">
+                <a:latin typeface="宋体" panose="02010600030101010101" pitchFamily="2" charset="-122"/>
+                <a:ea typeface="宋体" panose="02010600030101010101" pitchFamily="2" charset="-122"/>
+              </a:rPr>
+              <a:t>A: Lambda</a:t>
+            </a:r>
+          </a:p>
+          <a:p>
+            <a:pPr lvl="1"/>
+            <a:r>
+              <a:rPr lang="en-US" altLang="zh-CN" dirty="0">
+                <a:latin typeface="宋体" panose="02010600030101010101" pitchFamily="2" charset="-122"/>
+                <a:ea typeface="宋体" panose="02010600030101010101" pitchFamily="2" charset="-122"/>
+              </a:rPr>
+              <a:t>B:</a:t>
+            </a:r>
+            <a:r>
+              <a:rPr lang="zh-CN" altLang="en-US" dirty="0">
+                <a:latin typeface="宋体" panose="02010600030101010101" pitchFamily="2" charset="-122"/>
+                <a:ea typeface="宋体" panose="02010600030101010101" pitchFamily="2" charset="-122"/>
+              </a:rPr>
+              <a:t>函数式接口</a:t>
+            </a:r>
+            <a:endParaRPr lang="en-US" altLang="zh-CN" dirty="0">
+              <a:latin typeface="宋体" panose="02010600030101010101" pitchFamily="2" charset="-122"/>
+              <a:ea typeface="宋体" panose="02010600030101010101" pitchFamily="2" charset="-122"/>
+            </a:endParaRPr>
+          </a:p>
+          <a:p>
+            <a:pPr lvl="1"/>
+            <a:r>
+              <a:rPr lang="en-US" altLang="zh-CN" dirty="0">
+                <a:latin typeface="宋体" panose="02010600030101010101" pitchFamily="2" charset="-122"/>
+                <a:ea typeface="宋体" panose="02010600030101010101" pitchFamily="2" charset="-122"/>
+              </a:rPr>
+              <a:t>C:</a:t>
+            </a:r>
+            <a:r>
+              <a:rPr lang="zh-CN" altLang="en-US" dirty="0">
+                <a:latin typeface="宋体" panose="02010600030101010101" pitchFamily="2" charset="-122"/>
+                <a:ea typeface="宋体" panose="02010600030101010101" pitchFamily="2" charset="-122"/>
+              </a:rPr>
+              <a:t>接口定义私有方法</a:t>
+            </a:r>
+            <a:endParaRPr lang="en-US" altLang="zh-CN" dirty="0">
+              <a:latin typeface="宋体" panose="02010600030101010101" pitchFamily="2" charset="-122"/>
+              <a:ea typeface="宋体" panose="02010600030101010101" pitchFamily="2" charset="-122"/>
+            </a:endParaRPr>
+          </a:p>
+          <a:p>
+            <a:pPr lvl="1"/>
+            <a:r>
+              <a:rPr lang="en-US" altLang="zh-CN" dirty="0">
+                <a:latin typeface="宋体" panose="02010600030101010101" pitchFamily="2" charset="-122"/>
+                <a:ea typeface="宋体" panose="02010600030101010101" pitchFamily="2" charset="-122"/>
+              </a:rPr>
+              <a:t>D:stream</a:t>
+            </a:r>
+            <a:r>
+              <a:rPr lang="zh-CN" altLang="en-US" dirty="0">
+                <a:latin typeface="宋体" panose="02010600030101010101" pitchFamily="2" charset="-122"/>
+                <a:ea typeface="宋体" panose="02010600030101010101" pitchFamily="2" charset="-122"/>
+              </a:rPr>
+              <a:t>流式计算</a:t>
+            </a:r>
+            <a:endParaRPr lang="en-US" altLang="zh-CN" dirty="0">
+              <a:latin typeface="宋体" panose="02010600030101010101" pitchFamily="2" charset="-122"/>
+              <a:ea typeface="宋体" panose="02010600030101010101" pitchFamily="2" charset="-122"/>
+            </a:endParaRPr>
+          </a:p>
+          <a:p>
+            <a:r>
+              <a:rPr lang="en-US" altLang="zh-CN" dirty="0">
+                <a:latin typeface="宋体" panose="02010600030101010101" pitchFamily="2" charset="-122"/>
+                <a:ea typeface="宋体" panose="02010600030101010101" pitchFamily="2" charset="-122"/>
+              </a:rPr>
+              <a:t>2.Lambda</a:t>
+            </a:r>
+            <a:r>
+              <a:rPr lang="zh-CN" altLang="en-US" dirty="0">
+                <a:latin typeface="宋体" panose="02010600030101010101" pitchFamily="2" charset="-122"/>
+                <a:ea typeface="宋体" panose="02010600030101010101" pitchFamily="2" charset="-122"/>
+              </a:rPr>
+              <a:t>表达式不需要函数式接口的支持？错</a:t>
+            </a:r>
+            <a:endParaRPr lang="en-US" altLang="zh-CN" dirty="0">
+              <a:latin typeface="宋体" panose="02010600030101010101" pitchFamily="2" charset="-122"/>
+              <a:ea typeface="宋体" panose="02010600030101010101" pitchFamily="2" charset="-122"/>
+            </a:endParaRPr>
+          </a:p>
+          <a:p>
+            <a:r>
+              <a:rPr lang="en-US" altLang="zh-CN" dirty="0">
+                <a:latin typeface="宋体" panose="02010600030101010101" pitchFamily="2" charset="-122"/>
+                <a:ea typeface="宋体" panose="02010600030101010101" pitchFamily="2" charset="-122"/>
+              </a:rPr>
+              <a:t>3.Lambda</a:t>
+            </a:r>
+            <a:r>
+              <a:rPr lang="zh-CN" altLang="en-US" dirty="0">
+                <a:latin typeface="宋体" panose="02010600030101010101" pitchFamily="2" charset="-122"/>
+                <a:ea typeface="宋体" panose="02010600030101010101" pitchFamily="2" charset="-122"/>
+              </a:rPr>
+              <a:t>表达式中参数的类型不可以省略？错</a:t>
+            </a:r>
+            <a:endParaRPr lang="en-US" altLang="zh-CN" dirty="0">
+              <a:latin typeface="宋体" panose="02010600030101010101" pitchFamily="2" charset="-122"/>
+              <a:ea typeface="宋体" panose="02010600030101010101" pitchFamily="2" charset="-122"/>
+            </a:endParaRPr>
+          </a:p>
+          <a:p>
+            <a:r>
+              <a:rPr lang="en-US" altLang="zh-CN" dirty="0">
+                <a:latin typeface="宋体" panose="02010600030101010101" pitchFamily="2" charset="-122"/>
+                <a:ea typeface="宋体" panose="02010600030101010101" pitchFamily="2" charset="-122"/>
+              </a:rPr>
+              <a:t>4.Stream</a:t>
+            </a:r>
+            <a:r>
+              <a:rPr lang="zh-CN" altLang="en-US" dirty="0">
+                <a:latin typeface="宋体" panose="02010600030101010101" pitchFamily="2" charset="-122"/>
+                <a:ea typeface="宋体" panose="02010600030101010101" pitchFamily="2" charset="-122"/>
+              </a:rPr>
+              <a:t>进行流水线操作时，什么阶段会触发数据的处理？</a:t>
+            </a:r>
+            <a:endParaRPr lang="en-US" altLang="zh-CN" dirty="0">
+              <a:latin typeface="宋体" panose="02010600030101010101" pitchFamily="2" charset="-122"/>
+              <a:ea typeface="宋体" panose="02010600030101010101" pitchFamily="2" charset="-122"/>
+            </a:endParaRPr>
+          </a:p>
+          <a:p>
+            <a:r>
+              <a:rPr lang="en-US" altLang="zh-CN" dirty="0">
+                <a:latin typeface="宋体" panose="02010600030101010101" pitchFamily="2" charset="-122"/>
+                <a:ea typeface="宋体" panose="02010600030101010101" pitchFamily="2" charset="-122"/>
+              </a:rPr>
+              <a:t>	A:</a:t>
+            </a:r>
+            <a:r>
+              <a:rPr lang="zh-CN" altLang="en-US" dirty="0">
+                <a:latin typeface="宋体" panose="02010600030101010101" pitchFamily="2" charset="-122"/>
+                <a:ea typeface="宋体" panose="02010600030101010101" pitchFamily="2" charset="-122"/>
+              </a:rPr>
+              <a:t>中间操作执行结束</a:t>
+            </a:r>
+            <a:endParaRPr lang="en-US" altLang="zh-CN" dirty="0">
+              <a:latin typeface="宋体" panose="02010600030101010101" pitchFamily="2" charset="-122"/>
+              <a:ea typeface="宋体" panose="02010600030101010101" pitchFamily="2" charset="-122"/>
+            </a:endParaRPr>
+          </a:p>
+          <a:p>
+            <a:r>
+              <a:rPr lang="en-US" altLang="zh-CN" dirty="0">
+                <a:latin typeface="宋体" panose="02010600030101010101" pitchFamily="2" charset="-122"/>
+                <a:ea typeface="宋体" panose="02010600030101010101" pitchFamily="2" charset="-122"/>
+              </a:rPr>
+              <a:t>	B:</a:t>
+            </a:r>
+            <a:r>
+              <a:rPr lang="zh-CN" altLang="en-US" dirty="0">
+                <a:latin typeface="宋体" panose="02010600030101010101" pitchFamily="2" charset="-122"/>
+                <a:ea typeface="宋体" panose="02010600030101010101" pitchFamily="2" charset="-122"/>
+              </a:rPr>
+              <a:t>终止操作执行之前</a:t>
+            </a:r>
+            <a:endParaRPr lang="en-US" altLang="zh-CN" dirty="0">
+              <a:latin typeface="宋体" panose="02010600030101010101" pitchFamily="2" charset="-122"/>
+              <a:ea typeface="宋体" panose="02010600030101010101" pitchFamily="2" charset="-122"/>
+            </a:endParaRPr>
+          </a:p>
+          <a:p>
+            <a:r>
+              <a:rPr lang="en-US" altLang="zh-CN" dirty="0">
+                <a:latin typeface="宋体" panose="02010600030101010101" pitchFamily="2" charset="-122"/>
+                <a:ea typeface="宋体" panose="02010600030101010101" pitchFamily="2" charset="-122"/>
+              </a:rPr>
+              <a:t>	C:</a:t>
+            </a:r>
+            <a:r>
+              <a:rPr lang="zh-CN" altLang="en-US" dirty="0">
+                <a:latin typeface="宋体" panose="02010600030101010101" pitchFamily="2" charset="-122"/>
+                <a:ea typeface="宋体" panose="02010600030101010101" pitchFamily="2" charset="-122"/>
+              </a:rPr>
+              <a:t>终止操作执行之后</a:t>
+            </a:r>
+            <a:endParaRPr lang="en-US" altLang="zh-CN" dirty="0">
+              <a:latin typeface="宋体" panose="02010600030101010101" pitchFamily="2" charset="-122"/>
+              <a:ea typeface="宋体" panose="02010600030101010101" pitchFamily="2" charset="-122"/>
+            </a:endParaRPr>
+          </a:p>
+          <a:p>
+            <a:r>
+              <a:rPr lang="en-US" altLang="zh-CN" dirty="0">
+                <a:latin typeface="宋体" panose="02010600030101010101" pitchFamily="2" charset="-122"/>
+                <a:ea typeface="宋体" panose="02010600030101010101" pitchFamily="2" charset="-122"/>
+              </a:rPr>
+              <a:t>	D: </a:t>
+            </a:r>
+            <a:r>
+              <a:rPr lang="zh-CN" altLang="en-US" dirty="0">
+                <a:latin typeface="宋体" panose="02010600030101010101" pitchFamily="2" charset="-122"/>
+                <a:ea typeface="宋体" panose="02010600030101010101" pitchFamily="2" charset="-122"/>
+              </a:rPr>
+              <a:t>不确定</a:t>
+            </a:r>
+            <a:endParaRPr lang="en-US" altLang="zh-CN" dirty="0">
+              <a:latin typeface="宋体" panose="02010600030101010101" pitchFamily="2" charset="-122"/>
+              <a:ea typeface="宋体" panose="02010600030101010101" pitchFamily="2" charset="-122"/>
+            </a:endParaRPr>
+          </a:p>
+          <a:p>
+            <a:r>
+              <a:rPr lang="en-US" altLang="zh-CN" dirty="0">
+                <a:latin typeface="宋体" panose="02010600030101010101" pitchFamily="2" charset="-122"/>
+                <a:ea typeface="宋体" panose="02010600030101010101" pitchFamily="2" charset="-122"/>
+              </a:rPr>
+              <a:t>5.</a:t>
+            </a:r>
+            <a:r>
+              <a:rPr lang="zh-CN" altLang="en-US" dirty="0">
+                <a:latin typeface="宋体" panose="02010600030101010101" pitchFamily="2" charset="-122"/>
+                <a:ea typeface="宋体" panose="02010600030101010101" pitchFamily="2" charset="-122"/>
+              </a:rPr>
+              <a:t>只包含一个抽象方法的接口被称为函数式接口？ 对</a:t>
+            </a:r>
+            <a:endParaRPr lang="en-US" altLang="zh-CN" dirty="0">
+              <a:latin typeface="宋体" panose="02010600030101010101" pitchFamily="2" charset="-122"/>
+              <a:ea typeface="宋体" panose="02010600030101010101" pitchFamily="2" charset="-122"/>
+            </a:endParaRPr>
+          </a:p>
+          <a:p>
+            <a:endParaRPr lang="zh-CN" altLang="en-US" dirty="0">
+              <a:latin typeface="宋体" panose="02010600030101010101" pitchFamily="2" charset="-122"/>
+              <a:ea typeface="宋体" panose="02010600030101010101" pitchFamily="2" charset="-122"/>
+            </a:endParaRPr>
+          </a:p>
+        </p:txBody>
+      </p:sp>
+    </p:spTree>
+    <p:extLst>
+      <p:ext uri="{BB962C8B-B14F-4D97-AF65-F5344CB8AC3E}">
+        <p14:creationId xmlns:p14="http://schemas.microsoft.com/office/powerpoint/2010/main" val="2489193255"/>
+      </p:ext>
+    </p:extLst>
+  </p:cSld>
+  <p:clrMapOvr>
+    <a:masterClrMapping/>
+  </p:clrMapOvr>
+</p:sld>
+</file>
+
 <file path=ppt/slides/slide2.xml><?xml version="1.0" encoding="utf-8"?>
 <p:sld xmlns:a="http://schemas.openxmlformats.org/drawingml/2006/main" xmlns:r="http://schemas.openxmlformats.org/officeDocument/2006/relationships" xmlns:p="http://schemas.openxmlformats.org/presentationml/2006/main">
   <p:cSld>
@@ -6441,6 +7821,539 @@
           <p:cNvPr id="2" name="标题 1">
             <a:extLst>
               <a:ext uri="{FF2B5EF4-FFF2-40B4-BE49-F238E27FC236}">
+                <a16:creationId xmlns:a16="http://schemas.microsoft.com/office/drawing/2014/main" id="{D76A833E-9B13-45F7-85E5-FCCB3C87F5D3}"/>
+              </a:ext>
+            </a:extLst>
+          </p:cNvPr>
+          <p:cNvSpPr>
+            <a:spLocks noGrp="1"/>
+          </p:cNvSpPr>
+          <p:nvPr>
+            <p:ph type="title"/>
+          </p:nvPr>
+        </p:nvSpPr>
+        <p:spPr>
+          <a:xfrm>
+            <a:off x="677334" y="609600"/>
+            <a:ext cx="8596668" cy="556591"/>
+          </a:xfrm>
+        </p:spPr>
+        <p:txBody>
+          <a:bodyPr>
+            <a:normAutofit fontScale="90000"/>
+          </a:bodyPr>
+          <a:lstStyle/>
+          <a:p>
+            <a:pPr algn="ctr"/>
+            <a:r>
+              <a:rPr lang="zh-CN" altLang="en-US" dirty="0">
+                <a:solidFill>
+                  <a:schemeClr val="tx1"/>
+                </a:solidFill>
+                <a:latin typeface="宋体" panose="02010600030101010101" pitchFamily="2" charset="-122"/>
+                <a:ea typeface="宋体" panose="02010600030101010101" pitchFamily="2" charset="-122"/>
+              </a:rPr>
+              <a:t>接口增强</a:t>
+            </a:r>
+          </a:p>
+        </p:txBody>
+      </p:sp>
+      <p:sp>
+        <p:nvSpPr>
+          <p:cNvPr id="7" name="文本框 6">
+            <a:extLst>
+              <a:ext uri="{FF2B5EF4-FFF2-40B4-BE49-F238E27FC236}">
+                <a16:creationId xmlns:a16="http://schemas.microsoft.com/office/drawing/2014/main" id="{9635150E-BFEA-4B30-A687-6AC7CAC6ADDC}"/>
+              </a:ext>
+            </a:extLst>
+          </p:cNvPr>
+          <p:cNvSpPr txBox="1"/>
+          <p:nvPr/>
+        </p:nvSpPr>
+        <p:spPr>
+          <a:xfrm>
+            <a:off x="1225303" y="4873224"/>
+            <a:ext cx="7500730" cy="1477328"/>
+          </a:xfrm>
+          <a:prstGeom prst="rect">
+            <a:avLst/>
+          </a:prstGeom>
+          <a:noFill/>
+        </p:spPr>
+        <p:txBody>
+          <a:bodyPr wrap="square" rtlCol="0">
+            <a:spAutoFit/>
+          </a:bodyPr>
+          <a:lstStyle/>
+          <a:p>
+            <a:r>
+              <a:rPr lang="zh-CN" altLang="en-US" b="1" dirty="0">
+                <a:latin typeface="宋体" panose="02010600030101010101" pitchFamily="2" charset="-122"/>
+                <a:ea typeface="宋体" panose="02010600030101010101" pitchFamily="2" charset="-122"/>
+              </a:rPr>
+              <a:t>接口中的默认方法的“类优先”原则</a:t>
+            </a:r>
+            <a:endParaRPr lang="en-US" altLang="zh-CN" b="1" dirty="0">
+              <a:latin typeface="宋体" panose="02010600030101010101" pitchFamily="2" charset="-122"/>
+              <a:ea typeface="宋体" panose="02010600030101010101" pitchFamily="2" charset="-122"/>
+            </a:endParaRPr>
+          </a:p>
+          <a:p>
+            <a:r>
+              <a:rPr lang="en-US" altLang="zh-CN" dirty="0">
+                <a:latin typeface="宋体" panose="02010600030101010101" pitchFamily="2" charset="-122"/>
+                <a:ea typeface="宋体" panose="02010600030101010101" pitchFamily="2" charset="-122"/>
+              </a:rPr>
+              <a:t>	</a:t>
+            </a:r>
+            <a:r>
+              <a:rPr lang="zh-CN" altLang="en-US" dirty="0">
+                <a:latin typeface="宋体" panose="02010600030101010101" pitchFamily="2" charset="-122"/>
+                <a:ea typeface="宋体" panose="02010600030101010101" pitchFamily="2" charset="-122"/>
+              </a:rPr>
+              <a:t>一个类中定义的方法名称和参数列表与接口中的默认方法一致，接口中的默认方法会被忽略。</a:t>
+            </a:r>
+            <a:endParaRPr lang="en-US" altLang="zh-CN" dirty="0">
+              <a:latin typeface="宋体" panose="02010600030101010101" pitchFamily="2" charset="-122"/>
+              <a:ea typeface="宋体" panose="02010600030101010101" pitchFamily="2" charset="-122"/>
+            </a:endParaRPr>
+          </a:p>
+          <a:p>
+            <a:r>
+              <a:rPr lang="en-US" altLang="zh-CN" dirty="0">
+                <a:latin typeface="宋体" panose="02010600030101010101" pitchFamily="2" charset="-122"/>
+                <a:ea typeface="宋体" panose="02010600030101010101" pitchFamily="2" charset="-122"/>
+              </a:rPr>
+              <a:t>	</a:t>
+            </a:r>
+            <a:r>
+              <a:rPr lang="zh-CN" altLang="en-US" dirty="0">
+                <a:latin typeface="宋体" panose="02010600030101010101" pitchFamily="2" charset="-122"/>
+                <a:ea typeface="宋体" panose="02010600030101010101" pitchFamily="2" charset="-122"/>
+              </a:rPr>
+              <a:t>一个类中实现多个接口，存在相同的默认方法，需要重写默认方法。</a:t>
+            </a:r>
+            <a:endParaRPr lang="en-US" altLang="zh-CN" dirty="0">
+              <a:latin typeface="宋体" panose="02010600030101010101" pitchFamily="2" charset="-122"/>
+              <a:ea typeface="宋体" panose="02010600030101010101" pitchFamily="2" charset="-122"/>
+            </a:endParaRPr>
+          </a:p>
+          <a:p>
+            <a:r>
+              <a:rPr lang="en-US" altLang="zh-CN" dirty="0"/>
+              <a:t>	</a:t>
+            </a:r>
+            <a:endParaRPr lang="zh-CN" altLang="en-US" dirty="0"/>
+          </a:p>
+        </p:txBody>
+      </p:sp>
+      <p:sp>
+        <p:nvSpPr>
+          <p:cNvPr id="3" name="文本框 2">
+            <a:extLst>
+              <a:ext uri="{FF2B5EF4-FFF2-40B4-BE49-F238E27FC236}">
+                <a16:creationId xmlns:a16="http://schemas.microsoft.com/office/drawing/2014/main" id="{8AF6E135-1221-4311-8DB7-792C5E3A0A33}"/>
+              </a:ext>
+            </a:extLst>
+          </p:cNvPr>
+          <p:cNvSpPr txBox="1"/>
+          <p:nvPr/>
+        </p:nvSpPr>
+        <p:spPr>
+          <a:xfrm>
+            <a:off x="1225303" y="1457738"/>
+            <a:ext cx="8048699" cy="1631216"/>
+          </a:xfrm>
+          <a:prstGeom prst="rect">
+            <a:avLst/>
+          </a:prstGeom>
+          <a:noFill/>
+        </p:spPr>
+        <p:txBody>
+          <a:bodyPr wrap="square" rtlCol="0">
+            <a:spAutoFit/>
+          </a:bodyPr>
+          <a:lstStyle/>
+          <a:p>
+            <a:r>
+              <a:rPr lang="en-US" altLang="zh-CN" sz="2000" b="1" dirty="0">
+                <a:latin typeface="宋体" panose="02010600030101010101" pitchFamily="2" charset="-122"/>
+                <a:ea typeface="宋体" panose="02010600030101010101" pitchFamily="2" charset="-122"/>
+              </a:rPr>
+              <a:t>JDK8</a:t>
+            </a:r>
+            <a:r>
+              <a:rPr lang="zh-CN" altLang="en-US" sz="2000" b="1" dirty="0">
+                <a:latin typeface="宋体" panose="02010600030101010101" pitchFamily="2" charset="-122"/>
+                <a:ea typeface="宋体" panose="02010600030101010101" pitchFamily="2" charset="-122"/>
+              </a:rPr>
+              <a:t>以前接口可以定义的变量和方法</a:t>
+            </a:r>
+          </a:p>
+          <a:p>
+            <a:r>
+              <a:rPr lang="en-US" altLang="zh-CN" sz="2000" dirty="0">
+                <a:latin typeface="宋体" panose="02010600030101010101" pitchFamily="2" charset="-122"/>
+                <a:ea typeface="宋体" panose="02010600030101010101" pitchFamily="2" charset="-122"/>
+              </a:rPr>
+              <a:t>	</a:t>
+            </a:r>
+            <a:r>
+              <a:rPr lang="zh-CN" altLang="en-US" sz="2000" dirty="0">
+                <a:latin typeface="宋体" panose="02010600030101010101" pitchFamily="2" charset="-122"/>
+                <a:ea typeface="宋体" panose="02010600030101010101" pitchFamily="2" charset="-122"/>
+              </a:rPr>
+              <a:t>所有变量</a:t>
+            </a:r>
+            <a:r>
+              <a:rPr lang="en-US" altLang="zh-CN" sz="2000" dirty="0">
+                <a:latin typeface="宋体" panose="02010600030101010101" pitchFamily="2" charset="-122"/>
+                <a:ea typeface="宋体" panose="02010600030101010101" pitchFamily="2" charset="-122"/>
+              </a:rPr>
+              <a:t>(Field)</a:t>
+            </a:r>
+            <a:r>
+              <a:rPr lang="zh-CN" altLang="en-US" sz="2000" dirty="0">
+                <a:latin typeface="宋体" panose="02010600030101010101" pitchFamily="2" charset="-122"/>
+                <a:ea typeface="宋体" panose="02010600030101010101" pitchFamily="2" charset="-122"/>
+              </a:rPr>
+              <a:t>不论是否显式 的声明为</a:t>
+            </a:r>
+            <a:r>
+              <a:rPr lang="en-US" altLang="zh-CN" sz="2000" dirty="0">
+                <a:latin typeface="宋体" panose="02010600030101010101" pitchFamily="2" charset="-122"/>
+                <a:ea typeface="宋体" panose="02010600030101010101" pitchFamily="2" charset="-122"/>
+              </a:rPr>
+              <a:t>public static final</a:t>
+            </a:r>
+            <a:r>
+              <a:rPr lang="zh-CN" altLang="en-US" sz="2000" dirty="0">
+                <a:latin typeface="宋体" panose="02010600030101010101" pitchFamily="2" charset="-122"/>
+                <a:ea typeface="宋体" panose="02010600030101010101" pitchFamily="2" charset="-122"/>
+              </a:rPr>
+              <a:t>，它实际上都是</a:t>
+            </a:r>
+            <a:r>
+              <a:rPr lang="en-US" altLang="zh-CN" sz="2000" dirty="0">
+                <a:latin typeface="宋体" panose="02010600030101010101" pitchFamily="2" charset="-122"/>
+                <a:ea typeface="宋体" panose="02010600030101010101" pitchFamily="2" charset="-122"/>
+              </a:rPr>
+              <a:t>public static final</a:t>
+            </a:r>
+            <a:r>
+              <a:rPr lang="zh-CN" altLang="en-US" sz="2000" dirty="0">
+                <a:latin typeface="宋体" panose="02010600030101010101" pitchFamily="2" charset="-122"/>
+                <a:ea typeface="宋体" panose="02010600030101010101" pitchFamily="2" charset="-122"/>
+              </a:rPr>
+              <a:t>的。</a:t>
+            </a:r>
+          </a:p>
+          <a:p>
+            <a:r>
+              <a:rPr lang="en-US" altLang="zh-CN" sz="2000" dirty="0">
+                <a:latin typeface="宋体" panose="02010600030101010101" pitchFamily="2" charset="-122"/>
+                <a:ea typeface="宋体" panose="02010600030101010101" pitchFamily="2" charset="-122"/>
+              </a:rPr>
+              <a:t>	</a:t>
+            </a:r>
+            <a:r>
+              <a:rPr lang="zh-CN" altLang="en-US" sz="2000" dirty="0">
+                <a:latin typeface="宋体" panose="02010600030101010101" pitchFamily="2" charset="-122"/>
+                <a:ea typeface="宋体" panose="02010600030101010101" pitchFamily="2" charset="-122"/>
+              </a:rPr>
+              <a:t>所有方法</a:t>
+            </a:r>
+            <a:r>
+              <a:rPr lang="en-US" altLang="zh-CN" sz="2000" dirty="0">
+                <a:latin typeface="宋体" panose="02010600030101010101" pitchFamily="2" charset="-122"/>
+                <a:ea typeface="宋体" panose="02010600030101010101" pitchFamily="2" charset="-122"/>
+              </a:rPr>
+              <a:t>(Method)</a:t>
+            </a:r>
+            <a:r>
+              <a:rPr lang="zh-CN" altLang="en-US" sz="2000" dirty="0">
+                <a:latin typeface="宋体" panose="02010600030101010101" pitchFamily="2" charset="-122"/>
+                <a:ea typeface="宋体" panose="02010600030101010101" pitchFamily="2" charset="-122"/>
+              </a:rPr>
+              <a:t>不论是否显示 的声明为</a:t>
+            </a:r>
+            <a:r>
+              <a:rPr lang="en-US" altLang="zh-CN" sz="2000" dirty="0">
+                <a:latin typeface="宋体" panose="02010600030101010101" pitchFamily="2" charset="-122"/>
+                <a:ea typeface="宋体" panose="02010600030101010101" pitchFamily="2" charset="-122"/>
+              </a:rPr>
+              <a:t>public abstract</a:t>
+            </a:r>
+            <a:r>
+              <a:rPr lang="zh-CN" altLang="en-US" sz="2000" dirty="0">
+                <a:latin typeface="宋体" panose="02010600030101010101" pitchFamily="2" charset="-122"/>
+                <a:ea typeface="宋体" panose="02010600030101010101" pitchFamily="2" charset="-122"/>
+              </a:rPr>
+              <a:t>，它实际上都是</a:t>
+            </a:r>
+            <a:r>
+              <a:rPr lang="en-US" altLang="zh-CN" sz="2000" dirty="0">
+                <a:latin typeface="宋体" panose="02010600030101010101" pitchFamily="2" charset="-122"/>
+                <a:ea typeface="宋体" panose="02010600030101010101" pitchFamily="2" charset="-122"/>
+              </a:rPr>
+              <a:t>public abstract</a:t>
+            </a:r>
+            <a:r>
+              <a:rPr lang="zh-CN" altLang="en-US" sz="2000" dirty="0">
+                <a:latin typeface="宋体" panose="02010600030101010101" pitchFamily="2" charset="-122"/>
+                <a:ea typeface="宋体" panose="02010600030101010101" pitchFamily="2" charset="-122"/>
+              </a:rPr>
+              <a:t>的。</a:t>
+            </a:r>
+          </a:p>
+        </p:txBody>
+      </p:sp>
+      <p:sp>
+        <p:nvSpPr>
+          <p:cNvPr id="4" name="文本框 3">
+            <a:extLst>
+              <a:ext uri="{FF2B5EF4-FFF2-40B4-BE49-F238E27FC236}">
+                <a16:creationId xmlns:a16="http://schemas.microsoft.com/office/drawing/2014/main" id="{1BFC2AD6-8E9F-4099-8372-C24D7E546F49}"/>
+              </a:ext>
+            </a:extLst>
+          </p:cNvPr>
+          <p:cNvSpPr txBox="1"/>
+          <p:nvPr/>
+        </p:nvSpPr>
+        <p:spPr>
+          <a:xfrm>
+            <a:off x="1225303" y="3088954"/>
+            <a:ext cx="7726018" cy="1938992"/>
+          </a:xfrm>
+          <a:prstGeom prst="rect">
+            <a:avLst/>
+          </a:prstGeom>
+          <a:noFill/>
+        </p:spPr>
+        <p:txBody>
+          <a:bodyPr wrap="square" rtlCol="0">
+            <a:spAutoFit/>
+          </a:bodyPr>
+          <a:lstStyle/>
+          <a:p>
+            <a:r>
+              <a:rPr lang="en-US" altLang="zh-CN" sz="2000" b="1" dirty="0">
+                <a:latin typeface="宋体" panose="02010600030101010101" pitchFamily="2" charset="-122"/>
+                <a:ea typeface="宋体" panose="02010600030101010101" pitchFamily="2" charset="-122"/>
+              </a:rPr>
+              <a:t>JDK8</a:t>
+            </a:r>
+            <a:r>
+              <a:rPr lang="zh-CN" altLang="en-US" sz="2000" b="1" dirty="0">
+                <a:latin typeface="宋体" panose="02010600030101010101" pitchFamily="2" charset="-122"/>
+                <a:ea typeface="宋体" panose="02010600030101010101" pitchFamily="2" charset="-122"/>
+              </a:rPr>
+              <a:t>之后的接口规范 </a:t>
+            </a:r>
+          </a:p>
+          <a:p>
+            <a:r>
+              <a:rPr lang="en-US" altLang="zh-CN" sz="2000" dirty="0">
+                <a:latin typeface="宋体" panose="02010600030101010101" pitchFamily="2" charset="-122"/>
+                <a:ea typeface="宋体" panose="02010600030101010101" pitchFamily="2" charset="-122"/>
+              </a:rPr>
+              <a:t>	JDK8</a:t>
+            </a:r>
+            <a:r>
+              <a:rPr lang="zh-CN" altLang="en-US" sz="2000" dirty="0">
+                <a:latin typeface="宋体" panose="02010600030101010101" pitchFamily="2" charset="-122"/>
+                <a:ea typeface="宋体" panose="02010600030101010101" pitchFamily="2" charset="-122"/>
+              </a:rPr>
+              <a:t>之后接口可以定义的变量和方法</a:t>
+            </a:r>
+          </a:p>
+          <a:p>
+            <a:r>
+              <a:rPr lang="en-US" altLang="zh-CN" sz="2000" dirty="0">
+                <a:latin typeface="宋体" panose="02010600030101010101" pitchFamily="2" charset="-122"/>
+                <a:ea typeface="宋体" panose="02010600030101010101" pitchFamily="2" charset="-122"/>
+              </a:rPr>
+              <a:t>	</a:t>
+            </a:r>
+            <a:r>
+              <a:rPr lang="zh-CN" altLang="en-US" sz="2000" dirty="0">
+                <a:latin typeface="宋体" panose="02010600030101010101" pitchFamily="2" charset="-122"/>
+                <a:ea typeface="宋体" panose="02010600030101010101" pitchFamily="2" charset="-122"/>
+              </a:rPr>
+              <a:t>变量</a:t>
+            </a:r>
+            <a:r>
+              <a:rPr lang="en-US" altLang="zh-CN" sz="2000" dirty="0">
+                <a:latin typeface="宋体" panose="02010600030101010101" pitchFamily="2" charset="-122"/>
+                <a:ea typeface="宋体" panose="02010600030101010101" pitchFamily="2" charset="-122"/>
+              </a:rPr>
+              <a:t>(Field)</a:t>
+            </a:r>
+            <a:r>
+              <a:rPr lang="zh-CN" altLang="en-US" sz="2000" dirty="0">
+                <a:latin typeface="宋体" panose="02010600030101010101" pitchFamily="2" charset="-122"/>
+                <a:ea typeface="宋体" panose="02010600030101010101" pitchFamily="2" charset="-122"/>
+              </a:rPr>
+              <a:t>仍然必须是 </a:t>
+            </a:r>
+            <a:r>
+              <a:rPr lang="en-US" altLang="zh-CN" sz="2000" dirty="0">
+                <a:latin typeface="宋体" panose="02010600030101010101" pitchFamily="2" charset="-122"/>
+                <a:ea typeface="宋体" panose="02010600030101010101" pitchFamily="2" charset="-122"/>
+              </a:rPr>
+              <a:t>java public static final</a:t>
+            </a:r>
+            <a:r>
+              <a:rPr lang="zh-CN" altLang="en-US" sz="2000" dirty="0">
+                <a:latin typeface="宋体" panose="02010600030101010101" pitchFamily="2" charset="-122"/>
+                <a:ea typeface="宋体" panose="02010600030101010101" pitchFamily="2" charset="-122"/>
+              </a:rPr>
+              <a:t>的</a:t>
+            </a:r>
+          </a:p>
+          <a:p>
+            <a:r>
+              <a:rPr lang="en-US" altLang="zh-CN" sz="2000" dirty="0">
+                <a:latin typeface="宋体" panose="02010600030101010101" pitchFamily="2" charset="-122"/>
+                <a:ea typeface="宋体" panose="02010600030101010101" pitchFamily="2" charset="-122"/>
+              </a:rPr>
+              <a:t>	</a:t>
+            </a:r>
+            <a:r>
+              <a:rPr lang="zh-CN" altLang="en-US" sz="2000" dirty="0">
+                <a:latin typeface="宋体" panose="02010600030101010101" pitchFamily="2" charset="-122"/>
+                <a:ea typeface="宋体" panose="02010600030101010101" pitchFamily="2" charset="-122"/>
+              </a:rPr>
+              <a:t>方法</a:t>
+            </a:r>
+            <a:r>
+              <a:rPr lang="en-US" altLang="zh-CN" sz="2000" dirty="0">
+                <a:latin typeface="宋体" panose="02010600030101010101" pitchFamily="2" charset="-122"/>
+                <a:ea typeface="宋体" panose="02010600030101010101" pitchFamily="2" charset="-122"/>
+              </a:rPr>
+              <a:t>(Method)</a:t>
+            </a:r>
+            <a:r>
+              <a:rPr lang="zh-CN" altLang="en-US" sz="2000" dirty="0">
+                <a:latin typeface="宋体" panose="02010600030101010101" pitchFamily="2" charset="-122"/>
+                <a:ea typeface="宋体" panose="02010600030101010101" pitchFamily="2" charset="-122"/>
+              </a:rPr>
+              <a:t>除了可以是</a:t>
+            </a:r>
+            <a:r>
+              <a:rPr lang="en-US" altLang="zh-CN" sz="2000" dirty="0">
+                <a:latin typeface="宋体" panose="02010600030101010101" pitchFamily="2" charset="-122"/>
+                <a:ea typeface="宋体" panose="02010600030101010101" pitchFamily="2" charset="-122"/>
+              </a:rPr>
+              <a:t>public abstract</a:t>
+            </a:r>
+            <a:r>
+              <a:rPr lang="zh-CN" altLang="en-US" sz="2000" dirty="0">
+                <a:latin typeface="宋体" panose="02010600030101010101" pitchFamily="2" charset="-122"/>
+                <a:ea typeface="宋体" panose="02010600030101010101" pitchFamily="2" charset="-122"/>
+              </a:rPr>
+              <a:t>之外，还可以是</a:t>
+            </a:r>
+            <a:r>
+              <a:rPr lang="en-US" altLang="zh-CN" sz="2000" dirty="0">
+                <a:latin typeface="宋体" panose="02010600030101010101" pitchFamily="2" charset="-122"/>
+                <a:ea typeface="宋体" panose="02010600030101010101" pitchFamily="2" charset="-122"/>
+              </a:rPr>
+              <a:t>public static</a:t>
+            </a:r>
+            <a:r>
+              <a:rPr lang="zh-CN" altLang="en-US" sz="2000" dirty="0">
+                <a:latin typeface="宋体" panose="02010600030101010101" pitchFamily="2" charset="-122"/>
+                <a:ea typeface="宋体" panose="02010600030101010101" pitchFamily="2" charset="-122"/>
+              </a:rPr>
+              <a:t>或者是</a:t>
+            </a:r>
+            <a:r>
+              <a:rPr lang="en-US" altLang="zh-CN" sz="2000" dirty="0">
+                <a:latin typeface="宋体" panose="02010600030101010101" pitchFamily="2" charset="-122"/>
+                <a:ea typeface="宋体" panose="02010600030101010101" pitchFamily="2" charset="-122"/>
+              </a:rPr>
+              <a:t>default(</a:t>
+            </a:r>
+            <a:r>
+              <a:rPr lang="zh-CN" altLang="en-US" sz="2000" dirty="0">
+                <a:latin typeface="宋体" panose="02010600030101010101" pitchFamily="2" charset="-122"/>
+                <a:ea typeface="宋体" panose="02010600030101010101" pitchFamily="2" charset="-122"/>
+              </a:rPr>
+              <a:t>相当于仅</a:t>
+            </a:r>
+            <a:r>
+              <a:rPr lang="en-US" altLang="zh-CN" sz="2000" dirty="0">
+                <a:latin typeface="宋体" panose="02010600030101010101" pitchFamily="2" charset="-122"/>
+                <a:ea typeface="宋体" panose="02010600030101010101" pitchFamily="2" charset="-122"/>
+              </a:rPr>
+              <a:t>public</a:t>
+            </a:r>
+            <a:r>
+              <a:rPr lang="zh-CN" altLang="en-US" sz="2000" dirty="0">
+                <a:latin typeface="宋体" panose="02010600030101010101" pitchFamily="2" charset="-122"/>
+                <a:ea typeface="宋体" panose="02010600030101010101" pitchFamily="2" charset="-122"/>
+              </a:rPr>
+              <a:t>修饰的实例方法</a:t>
+            </a:r>
+            <a:r>
+              <a:rPr lang="en-US" altLang="zh-CN" sz="2000" dirty="0">
+                <a:latin typeface="宋体" panose="02010600030101010101" pitchFamily="2" charset="-122"/>
+                <a:ea typeface="宋体" panose="02010600030101010101" pitchFamily="2" charset="-122"/>
+              </a:rPr>
+              <a:t>)</a:t>
+            </a:r>
+            <a:r>
+              <a:rPr lang="zh-CN" altLang="en-US" sz="2000" dirty="0">
+                <a:latin typeface="宋体" panose="02010600030101010101" pitchFamily="2" charset="-122"/>
+                <a:ea typeface="宋体" panose="02010600030101010101" pitchFamily="2" charset="-122"/>
+              </a:rPr>
+              <a:t>的。</a:t>
+            </a:r>
+          </a:p>
+          <a:p>
+            <a:endParaRPr lang="zh-CN" altLang="en-US" sz="2000" dirty="0">
+              <a:latin typeface="宋体" panose="02010600030101010101" pitchFamily="2" charset="-122"/>
+              <a:ea typeface="宋体" panose="02010600030101010101" pitchFamily="2" charset="-122"/>
+            </a:endParaRPr>
+          </a:p>
+        </p:txBody>
+      </p:sp>
+    </p:spTree>
+    <p:extLst>
+      <p:ext uri="{BB962C8B-B14F-4D97-AF65-F5344CB8AC3E}">
+        <p14:creationId xmlns:p14="http://schemas.microsoft.com/office/powerpoint/2010/main" val="188393775"/>
+      </p:ext>
+    </p:extLst>
+  </p:cSld>
+  <p:clrMapOvr>
+    <a:masterClrMapping/>
+  </p:clrMapOvr>
+</p:sld>
+</file>
+
+<file path=ppt/slides/slide5.xml><?xml version="1.0" encoding="utf-8"?>
+<p:sld xmlns:a="http://schemas.openxmlformats.org/drawingml/2006/main" xmlns:r="http://schemas.openxmlformats.org/officeDocument/2006/relationships" xmlns:p="http://schemas.openxmlformats.org/presentationml/2006/main">
+  <p:cSld>
+    <p:spTree>
+      <p:nvGrpSpPr>
+        <p:cNvPr id="1" name=""/>
+        <p:cNvGrpSpPr/>
+        <p:nvPr/>
+      </p:nvGrpSpPr>
+      <p:grpSpPr>
+        <a:xfrm>
+          <a:off x="0" y="0"/>
+          <a:ext cx="0" cy="0"/>
+          <a:chOff x="0" y="0"/>
+          <a:chExt cx="0" cy="0"/>
+        </a:xfrm>
+      </p:grpSpPr>
+      <p:sp>
+        <p:nvSpPr>
+          <p:cNvPr id="2" name="标题 1">
+            <a:extLst>
+              <a:ext uri="{FF2B5EF4-FFF2-40B4-BE49-F238E27FC236}">
                 <a16:creationId xmlns:a16="http://schemas.microsoft.com/office/drawing/2014/main" id="{A5D8515B-8E3F-42AA-B286-B89F74EEF734}"/>
               </a:ext>
             </a:extLst>
@@ -6589,6 +8502,17 @@
             <a:r>
               <a:rPr lang="zh-CN" altLang="en-US" sz="2400" dirty="0"/>
               <a:t>注解，判断它是否是个函数式接口；</a:t>
+            </a:r>
+            <a:endParaRPr lang="en-US" altLang="zh-CN" sz="2400" dirty="0"/>
+          </a:p>
+          <a:p>
+            <a:r>
+              <a:rPr lang="en-US" altLang="zh-CN" sz="2400" dirty="0"/>
+              <a:t>4.</a:t>
+            </a:r>
+            <a:r>
+              <a:rPr lang="zh-CN" altLang="en-US" sz="2400" dirty="0"/>
+              <a:t>允许定义静态方法；</a:t>
             </a:r>
             <a:br>
               <a:rPr lang="en-US" altLang="zh-CN" sz="2400" dirty="0"/>
@@ -6610,7 +8534,7 @@
 </p:sld>
 </file>
 
-<file path=ppt/slides/slide5.xml><?xml version="1.0" encoding="utf-8"?>
+<file path=ppt/slides/slide6.xml><?xml version="1.0" encoding="utf-8"?>
 <p:sld xmlns:a="http://schemas.openxmlformats.org/drawingml/2006/main" xmlns:r="http://schemas.openxmlformats.org/officeDocument/2006/relationships" xmlns:p="http://schemas.openxmlformats.org/presentationml/2006/main">
   <p:cSld>
     <p:spTree>
@@ -6710,7 +8634,7 @@
 </p:sld>
 </file>
 
-<file path=ppt/slides/slide6.xml><?xml version="1.0" encoding="utf-8"?>
+<file path=ppt/slides/slide7.xml><?xml version="1.0" encoding="utf-8"?>
 <p:sld xmlns:a="http://schemas.openxmlformats.org/drawingml/2006/main" xmlns:r="http://schemas.openxmlformats.org/officeDocument/2006/relationships" xmlns:p="http://schemas.openxmlformats.org/presentationml/2006/main">
   <p:cSld>
     <p:spTree>
@@ -6812,124 +8736,6 @@
 </p:sld>
 </file>
 
-<file path=ppt/slides/slide7.xml><?xml version="1.0" encoding="utf-8"?>
-<p:sld xmlns:a="http://schemas.openxmlformats.org/drawingml/2006/main" xmlns:r="http://schemas.openxmlformats.org/officeDocument/2006/relationships" xmlns:p="http://schemas.openxmlformats.org/presentationml/2006/main">
-  <p:cSld>
-    <p:spTree>
-      <p:nvGrpSpPr>
-        <p:cNvPr id="1" name=""/>
-        <p:cNvGrpSpPr/>
-        <p:nvPr/>
-      </p:nvGrpSpPr>
-      <p:grpSpPr>
-        <a:xfrm>
-          <a:off x="0" y="0"/>
-          <a:ext cx="0" cy="0"/>
-          <a:chOff x="0" y="0"/>
-          <a:chExt cx="0" cy="0"/>
-        </a:xfrm>
-      </p:grpSpPr>
-      <p:sp>
-        <p:nvSpPr>
-          <p:cNvPr id="2" name="标题 1">
-            <a:extLst>
-              <a:ext uri="{FF2B5EF4-FFF2-40B4-BE49-F238E27FC236}">
-                <a16:creationId xmlns:a16="http://schemas.microsoft.com/office/drawing/2014/main" id="{22F62AEC-0BEC-40F0-A7F0-574571F52665}"/>
-              </a:ext>
-            </a:extLst>
-          </p:cNvPr>
-          <p:cNvSpPr>
-            <a:spLocks noGrp="1"/>
-          </p:cNvSpPr>
-          <p:nvPr>
-            <p:ph type="title"/>
-          </p:nvPr>
-        </p:nvSpPr>
-        <p:spPr>
-          <a:xfrm>
-            <a:off x="677334" y="609600"/>
-            <a:ext cx="8596668" cy="689113"/>
-          </a:xfrm>
-        </p:spPr>
-        <p:txBody>
-          <a:bodyPr/>
-          <a:lstStyle/>
-          <a:p>
-            <a:pPr algn="ctr"/>
-            <a:r>
-              <a:rPr lang="zh-CN" altLang="en-US" dirty="0">
-                <a:solidFill>
-                  <a:schemeClr val="tx1"/>
-                </a:solidFill>
-              </a:rPr>
-              <a:t>方法引用和构造器引用</a:t>
-            </a:r>
-          </a:p>
-        </p:txBody>
-      </p:sp>
-      <p:sp>
-        <p:nvSpPr>
-          <p:cNvPr id="3" name="内容占位符 2">
-            <a:extLst>
-              <a:ext uri="{FF2B5EF4-FFF2-40B4-BE49-F238E27FC236}">
-                <a16:creationId xmlns:a16="http://schemas.microsoft.com/office/drawing/2014/main" id="{55580F8F-C003-40BB-A2EF-3D38FC8BE08A}"/>
-              </a:ext>
-            </a:extLst>
-          </p:cNvPr>
-          <p:cNvSpPr>
-            <a:spLocks noGrp="1"/>
-          </p:cNvSpPr>
-          <p:nvPr>
-            <p:ph sz="half" idx="1"/>
-          </p:nvPr>
-        </p:nvSpPr>
-        <p:spPr/>
-        <p:txBody>
-          <a:bodyPr/>
-          <a:lstStyle/>
-          <a:p>
-            <a:endParaRPr lang="zh-CN" altLang="en-US" dirty="0"/>
-          </a:p>
-        </p:txBody>
-      </p:sp>
-      <p:sp>
-        <p:nvSpPr>
-          <p:cNvPr id="4" name="内容占位符 3">
-            <a:extLst>
-              <a:ext uri="{FF2B5EF4-FFF2-40B4-BE49-F238E27FC236}">
-                <a16:creationId xmlns:a16="http://schemas.microsoft.com/office/drawing/2014/main" id="{D20B9D77-2D5C-4517-BFC9-66AF5048E3FA}"/>
-              </a:ext>
-            </a:extLst>
-          </p:cNvPr>
-          <p:cNvSpPr>
-            <a:spLocks noGrp="1"/>
-          </p:cNvSpPr>
-          <p:nvPr>
-            <p:ph sz="half" idx="2"/>
-          </p:nvPr>
-        </p:nvSpPr>
-        <p:spPr/>
-        <p:txBody>
-          <a:bodyPr/>
-          <a:lstStyle/>
-          <a:p>
-            <a:endParaRPr lang="zh-CN" altLang="en-US" dirty="0"/>
-          </a:p>
-        </p:txBody>
-      </p:sp>
-    </p:spTree>
-    <p:extLst>
-      <p:ext uri="{BB962C8B-B14F-4D97-AF65-F5344CB8AC3E}">
-        <p14:creationId xmlns:p14="http://schemas.microsoft.com/office/powerpoint/2010/main" val="3463313860"/>
-      </p:ext>
-    </p:extLst>
-  </p:cSld>
-  <p:clrMapOvr>
-    <a:masterClrMapping/>
-  </p:clrMapOvr>
-</p:sld>
-</file>
-
 <file path=ppt/slides/slide8.xml><?xml version="1.0" encoding="utf-8"?>
 <p:sld xmlns:a="http://schemas.openxmlformats.org/drawingml/2006/main" xmlns:r="http://schemas.openxmlformats.org/officeDocument/2006/relationships" xmlns:p="http://schemas.openxmlformats.org/presentationml/2006/main">
   <p:cSld>
@@ -6952,7 +8758,7 @@
           <p:cNvPr id="2" name="标题 1">
             <a:extLst>
               <a:ext uri="{FF2B5EF4-FFF2-40B4-BE49-F238E27FC236}">
-                <a16:creationId xmlns:a16="http://schemas.microsoft.com/office/drawing/2014/main" id="{0F1D562A-133A-4402-BB59-666A13B483F9}"/>
+                <a16:creationId xmlns:a16="http://schemas.microsoft.com/office/drawing/2014/main" id="{22F62AEC-0BEC-40F0-A7F0-574571F52665}"/>
               </a:ext>
             </a:extLst>
           </p:cNvPr>
@@ -6965,8 +8771,8 @@
         </p:nvSpPr>
         <p:spPr>
           <a:xfrm>
-            <a:off x="1127908" y="609600"/>
-            <a:ext cx="8146094" cy="808867"/>
+            <a:off x="677334" y="609600"/>
+            <a:ext cx="8596668" cy="689113"/>
           </a:xfrm>
         </p:spPr>
         <p:txBody>
@@ -6980,178 +8786,167 @@
                   <a:schemeClr val="tx1"/>
                 </a:solidFill>
               </a:rPr>
-              <a:t>什么是</a:t>
-            </a:r>
-            <a:r>
-              <a:rPr lang="en-US" altLang="zh-CN" dirty="0">
-                <a:solidFill>
-                  <a:schemeClr val="tx1"/>
-                </a:solidFill>
-              </a:rPr>
-              <a:t>Stream</a:t>
-            </a:r>
-            <a:endParaRPr lang="zh-CN" altLang="en-US" dirty="0">
-              <a:solidFill>
-                <a:schemeClr val="tx1"/>
-              </a:solidFill>
-            </a:endParaRPr>
-          </a:p>
-        </p:txBody>
-      </p:sp>
-      <p:sp>
-        <p:nvSpPr>
-          <p:cNvPr id="7" name="文本框 6">
+              <a:t>方法引用</a:t>
+            </a:r>
+          </a:p>
+        </p:txBody>
+      </p:sp>
+      <p:pic>
+        <p:nvPicPr>
+          <p:cNvPr id="6" name="内容占位符 5">
             <a:extLst>
               <a:ext uri="{FF2B5EF4-FFF2-40B4-BE49-F238E27FC236}">
-                <a16:creationId xmlns:a16="http://schemas.microsoft.com/office/drawing/2014/main" id="{8AEB3C27-C03E-416C-A436-092E1323C506}"/>
+                <a16:creationId xmlns:a16="http://schemas.microsoft.com/office/drawing/2014/main" id="{158E4586-6B56-43D3-9E62-B54F2CAA7A54}"/>
               </a:ext>
             </a:extLst>
           </p:cNvPr>
-          <p:cNvSpPr txBox="1"/>
-          <p:nvPr/>
-        </p:nvSpPr>
+          <p:cNvPicPr>
+            <a:picLocks noGrp="1" noChangeAspect="1"/>
+          </p:cNvPicPr>
+          <p:nvPr>
+            <p:ph sz="half" idx="1"/>
+          </p:nvPr>
+        </p:nvPicPr>
+        <p:blipFill>
+          <a:blip r:embed="rId2"/>
+          <a:stretch>
+            <a:fillRect/>
+          </a:stretch>
+        </p:blipFill>
         <p:spPr>
           <a:xfrm>
-            <a:off x="1035143" y="1802296"/>
-            <a:ext cx="8638944" cy="3416320"/>
+            <a:off x="1139687" y="1291259"/>
+            <a:ext cx="4956313" cy="1838325"/>
           </a:xfrm>
           <a:prstGeom prst="rect">
             <a:avLst/>
           </a:prstGeom>
-          <a:noFill/>
         </p:spPr>
-        <p:txBody>
-          <a:bodyPr wrap="square" rtlCol="0">
-            <a:spAutoFit/>
-          </a:bodyPr>
-          <a:lstStyle/>
-          <a:p>
-            <a:r>
-              <a:rPr lang="en-US" altLang="zh-CN" sz="2400" dirty="0">
-                <a:latin typeface="宋体" panose="02010600030101010101" pitchFamily="2" charset="-122"/>
-                <a:ea typeface="宋体" panose="02010600030101010101" pitchFamily="2" charset="-122"/>
-              </a:rPr>
-              <a:t>Stream</a:t>
-            </a:r>
-            <a:r>
-              <a:rPr lang="zh-CN" altLang="en-US" sz="2400" dirty="0">
-                <a:latin typeface="宋体" panose="02010600030101010101" pitchFamily="2" charset="-122"/>
-                <a:ea typeface="宋体" panose="02010600030101010101" pitchFamily="2" charset="-122"/>
-              </a:rPr>
-              <a:t>是数据渠道，用于操作数据源（集合、数组等）所生成的元素序列。</a:t>
-            </a:r>
-          </a:p>
-          <a:p>
-            <a:r>
-              <a:rPr lang="zh-CN" altLang="en-US" sz="2400" dirty="0">
-                <a:latin typeface="宋体" panose="02010600030101010101" pitchFamily="2" charset="-122"/>
-                <a:ea typeface="宋体" panose="02010600030101010101" pitchFamily="2" charset="-122"/>
-              </a:rPr>
-              <a:t>“集合讲的是数据，流讲的是计算！”</a:t>
-            </a:r>
-            <a:endParaRPr lang="en-US" altLang="zh-CN" sz="2400" dirty="0">
-              <a:latin typeface="宋体" panose="02010600030101010101" pitchFamily="2" charset="-122"/>
-              <a:ea typeface="宋体" panose="02010600030101010101" pitchFamily="2" charset="-122"/>
-            </a:endParaRPr>
-          </a:p>
-          <a:p>
-            <a:r>
-              <a:rPr lang="zh-CN" altLang="en-US" sz="2400" dirty="0">
-                <a:latin typeface="宋体" panose="02010600030101010101" pitchFamily="2" charset="-122"/>
-                <a:ea typeface="宋体" panose="02010600030101010101" pitchFamily="2" charset="-122"/>
-              </a:rPr>
-              <a:t>注意：</a:t>
-            </a:r>
-          </a:p>
-          <a:p>
-            <a:r>
-              <a:rPr lang="zh-CN" altLang="en-US" sz="2400" dirty="0">
-                <a:latin typeface="宋体" panose="02010600030101010101" pitchFamily="2" charset="-122"/>
-                <a:ea typeface="宋体" panose="02010600030101010101" pitchFamily="2" charset="-122"/>
-              </a:rPr>
-              <a:t>①</a:t>
-            </a:r>
-            <a:r>
-              <a:rPr lang="en-US" altLang="zh-CN" sz="2400" dirty="0">
-                <a:latin typeface="宋体" panose="02010600030101010101" pitchFamily="2" charset="-122"/>
-                <a:ea typeface="宋体" panose="02010600030101010101" pitchFamily="2" charset="-122"/>
-              </a:rPr>
-              <a:t>Stream </a:t>
-            </a:r>
-            <a:r>
-              <a:rPr lang="zh-CN" altLang="en-US" sz="2400" dirty="0">
-                <a:latin typeface="宋体" panose="02010600030101010101" pitchFamily="2" charset="-122"/>
-                <a:ea typeface="宋体" panose="02010600030101010101" pitchFamily="2" charset="-122"/>
-              </a:rPr>
-              <a:t>自己不会存储元素。</a:t>
-            </a:r>
-          </a:p>
-          <a:p>
-            <a:r>
-              <a:rPr lang="zh-CN" altLang="en-US" sz="2400" dirty="0">
-                <a:latin typeface="宋体" panose="02010600030101010101" pitchFamily="2" charset="-122"/>
-                <a:ea typeface="宋体" panose="02010600030101010101" pitchFamily="2" charset="-122"/>
-              </a:rPr>
-              <a:t>②</a:t>
-            </a:r>
-            <a:r>
-              <a:rPr lang="en-US" altLang="zh-CN" sz="2400" dirty="0">
-                <a:latin typeface="宋体" panose="02010600030101010101" pitchFamily="2" charset="-122"/>
-                <a:ea typeface="宋体" panose="02010600030101010101" pitchFamily="2" charset="-122"/>
-              </a:rPr>
-              <a:t>Stream </a:t>
-            </a:r>
-            <a:r>
-              <a:rPr lang="zh-CN" altLang="en-US" sz="2400" dirty="0">
-                <a:latin typeface="宋体" panose="02010600030101010101" pitchFamily="2" charset="-122"/>
-                <a:ea typeface="宋体" panose="02010600030101010101" pitchFamily="2" charset="-122"/>
-              </a:rPr>
-              <a:t>不会改变源对象。相反，他们会返回一个持有结果的新</a:t>
-            </a:r>
-            <a:r>
-              <a:rPr lang="en-US" altLang="zh-CN" sz="2400" dirty="0">
-                <a:latin typeface="宋体" panose="02010600030101010101" pitchFamily="2" charset="-122"/>
-                <a:ea typeface="宋体" panose="02010600030101010101" pitchFamily="2" charset="-122"/>
-              </a:rPr>
-              <a:t>Stream</a:t>
-            </a:r>
-            <a:r>
-              <a:rPr lang="zh-CN" altLang="en-US" sz="2400" dirty="0">
-                <a:latin typeface="宋体" panose="02010600030101010101" pitchFamily="2" charset="-122"/>
-                <a:ea typeface="宋体" panose="02010600030101010101" pitchFamily="2" charset="-122"/>
-              </a:rPr>
-              <a:t>。</a:t>
-            </a:r>
-          </a:p>
-          <a:p>
-            <a:r>
-              <a:rPr lang="zh-CN" altLang="en-US" sz="2400" dirty="0">
-                <a:latin typeface="宋体" panose="02010600030101010101" pitchFamily="2" charset="-122"/>
-                <a:ea typeface="宋体" panose="02010600030101010101" pitchFamily="2" charset="-122"/>
-              </a:rPr>
-              <a:t>③</a:t>
-            </a:r>
-            <a:r>
-              <a:rPr lang="en-US" altLang="zh-CN" sz="2400" dirty="0">
-                <a:latin typeface="宋体" panose="02010600030101010101" pitchFamily="2" charset="-122"/>
-                <a:ea typeface="宋体" panose="02010600030101010101" pitchFamily="2" charset="-122"/>
-              </a:rPr>
-              <a:t>Stream </a:t>
-            </a:r>
-            <a:r>
-              <a:rPr lang="zh-CN" altLang="en-US" sz="2400" dirty="0">
-                <a:latin typeface="宋体" panose="02010600030101010101" pitchFamily="2" charset="-122"/>
-                <a:ea typeface="宋体" panose="02010600030101010101" pitchFamily="2" charset="-122"/>
-              </a:rPr>
-              <a:t>操作是延迟执行的。这意味着他们会等到需要结果的时候才执行。</a:t>
-            </a:r>
-          </a:p>
-        </p:txBody>
-      </p:sp>
+      </p:pic>
+      <p:pic>
+        <p:nvPicPr>
+          <p:cNvPr id="8" name="图片 7">
+            <a:extLst>
+              <a:ext uri="{FF2B5EF4-FFF2-40B4-BE49-F238E27FC236}">
+                <a16:creationId xmlns:a16="http://schemas.microsoft.com/office/drawing/2014/main" id="{77739D33-6A57-491C-B3A9-26AA7156A649}"/>
+              </a:ext>
+            </a:extLst>
+          </p:cNvPr>
+          <p:cNvPicPr>
+            <a:picLocks noChangeAspect="1"/>
+          </p:cNvPicPr>
+          <p:nvPr/>
+        </p:nvPicPr>
+        <p:blipFill>
+          <a:blip r:embed="rId3"/>
+          <a:stretch>
+            <a:fillRect/>
+          </a:stretch>
+        </p:blipFill>
+        <p:spPr>
+          <a:xfrm>
+            <a:off x="1139687" y="4345471"/>
+            <a:ext cx="6019800" cy="866775"/>
+          </a:xfrm>
+          <a:prstGeom prst="rect">
+            <a:avLst/>
+          </a:prstGeom>
+        </p:spPr>
+      </p:pic>
+      <p:pic>
+        <p:nvPicPr>
+          <p:cNvPr id="9" name="图片 8">
+            <a:extLst>
+              <a:ext uri="{FF2B5EF4-FFF2-40B4-BE49-F238E27FC236}">
+                <a16:creationId xmlns:a16="http://schemas.microsoft.com/office/drawing/2014/main" id="{1524535F-5F2F-46C6-AAF7-795B2F572C08}"/>
+              </a:ext>
+            </a:extLst>
+          </p:cNvPr>
+          <p:cNvPicPr>
+            <a:picLocks noChangeAspect="1"/>
+          </p:cNvPicPr>
+          <p:nvPr/>
+        </p:nvPicPr>
+        <p:blipFill>
+          <a:blip r:embed="rId4"/>
+          <a:stretch>
+            <a:fillRect/>
+          </a:stretch>
+        </p:blipFill>
+        <p:spPr>
+          <a:xfrm>
+            <a:off x="1139687" y="3227940"/>
+            <a:ext cx="6915150" cy="1019175"/>
+          </a:xfrm>
+          <a:prstGeom prst="rect">
+            <a:avLst/>
+          </a:prstGeom>
+        </p:spPr>
+      </p:pic>
+      <p:pic>
+        <p:nvPicPr>
+          <p:cNvPr id="10" name="图片 9">
+            <a:extLst>
+              <a:ext uri="{FF2B5EF4-FFF2-40B4-BE49-F238E27FC236}">
+                <a16:creationId xmlns:a16="http://schemas.microsoft.com/office/drawing/2014/main" id="{F9FF978D-08FC-468D-8198-9E060E6BFBE8}"/>
+              </a:ext>
+            </a:extLst>
+          </p:cNvPr>
+          <p:cNvPicPr>
+            <a:picLocks noChangeAspect="1"/>
+          </p:cNvPicPr>
+          <p:nvPr/>
+        </p:nvPicPr>
+        <p:blipFill>
+          <a:blip r:embed="rId5"/>
+          <a:stretch>
+            <a:fillRect/>
+          </a:stretch>
+        </p:blipFill>
+        <p:spPr>
+          <a:xfrm>
+            <a:off x="1139687" y="5310602"/>
+            <a:ext cx="5953125" cy="542925"/>
+          </a:xfrm>
+          <a:prstGeom prst="rect">
+            <a:avLst/>
+          </a:prstGeom>
+        </p:spPr>
+      </p:pic>
+      <p:pic>
+        <p:nvPicPr>
+          <p:cNvPr id="11" name="图片 10">
+            <a:extLst>
+              <a:ext uri="{FF2B5EF4-FFF2-40B4-BE49-F238E27FC236}">
+                <a16:creationId xmlns:a16="http://schemas.microsoft.com/office/drawing/2014/main" id="{AE9C8977-2161-49D5-B5A3-9DAE19EBEC85}"/>
+              </a:ext>
+            </a:extLst>
+          </p:cNvPr>
+          <p:cNvPicPr>
+            <a:picLocks noChangeAspect="1"/>
+          </p:cNvPicPr>
+          <p:nvPr/>
+        </p:nvPicPr>
+        <p:blipFill>
+          <a:blip r:embed="rId6"/>
+          <a:stretch>
+            <a:fillRect/>
+          </a:stretch>
+        </p:blipFill>
+        <p:spPr>
+          <a:xfrm>
+            <a:off x="1139687" y="6000544"/>
+            <a:ext cx="4924425" cy="533400"/>
+          </a:xfrm>
+          <a:prstGeom prst="rect">
+            <a:avLst/>
+          </a:prstGeom>
+        </p:spPr>
+      </p:pic>
     </p:spTree>
     <p:extLst>
       <p:ext uri="{BB962C8B-B14F-4D97-AF65-F5344CB8AC3E}">
-        <p14:creationId xmlns:p14="http://schemas.microsoft.com/office/powerpoint/2010/main" val="3216162487"/>
+        <p14:creationId xmlns:p14="http://schemas.microsoft.com/office/powerpoint/2010/main" val="3463313860"/>
       </p:ext>
     </p:extLst>
   </p:cSld>
@@ -7183,7 +8978,7 @@
           <p:cNvPr id="2" name="标题 1">
             <a:extLst>
               <a:ext uri="{FF2B5EF4-FFF2-40B4-BE49-F238E27FC236}">
-                <a16:creationId xmlns:a16="http://schemas.microsoft.com/office/drawing/2014/main" id="{E28CF66D-753B-4BDF-82C4-A733F6559000}"/>
+                <a16:creationId xmlns:a16="http://schemas.microsoft.com/office/drawing/2014/main" id="{0F1D562A-133A-4402-BB59-666A13B483F9}"/>
               </a:ext>
             </a:extLst>
           </p:cNvPr>
@@ -7194,13 +8989,26 @@
             <p:ph type="title"/>
           </p:nvPr>
         </p:nvSpPr>
-        <p:spPr/>
+        <p:spPr>
+          <a:xfrm>
+            <a:off x="1127908" y="609600"/>
+            <a:ext cx="8146094" cy="808867"/>
+          </a:xfrm>
+        </p:spPr>
         <p:txBody>
           <a:bodyPr/>
           <a:lstStyle/>
           <a:p>
             <a:pPr algn="ctr"/>
             <a:r>
+              <a:rPr lang="zh-CN" altLang="en-US" dirty="0">
+                <a:solidFill>
+                  <a:schemeClr val="tx1"/>
+                </a:solidFill>
+              </a:rPr>
+              <a:t>什么是</a:t>
+            </a:r>
+            <a:r>
               <a:rPr lang="en-US" altLang="zh-CN" dirty="0">
                 <a:solidFill>
                   <a:schemeClr val="tx1"/>
@@ -7208,107 +9016,168 @@
               </a:rPr>
               <a:t>Stream</a:t>
             </a:r>
-            <a:r>
-              <a:rPr lang="zh-CN" altLang="en-US" dirty="0">
-                <a:solidFill>
-                  <a:schemeClr val="tx1"/>
-                </a:solidFill>
-              </a:rPr>
-              <a:t>操作的三个步骤</a:t>
-            </a:r>
-          </a:p>
-        </p:txBody>
-      </p:sp>
-      <p:sp>
-        <p:nvSpPr>
-          <p:cNvPr id="5" name="内容占位符 4">
+            <a:endParaRPr lang="zh-CN" altLang="en-US" dirty="0">
+              <a:solidFill>
+                <a:schemeClr val="tx1"/>
+              </a:solidFill>
+            </a:endParaRPr>
+          </a:p>
+        </p:txBody>
+      </p:sp>
+      <p:sp>
+        <p:nvSpPr>
+          <p:cNvPr id="7" name="文本框 6">
             <a:extLst>
               <a:ext uri="{FF2B5EF4-FFF2-40B4-BE49-F238E27FC236}">
-                <a16:creationId xmlns:a16="http://schemas.microsoft.com/office/drawing/2014/main" id="{3656D3A3-1901-4DC2-9205-B4E7E128EE2B}"/>
+                <a16:creationId xmlns:a16="http://schemas.microsoft.com/office/drawing/2014/main" id="{8AEB3C27-C03E-416C-A436-092E1323C506}"/>
               </a:ext>
             </a:extLst>
           </p:cNvPr>
-          <p:cNvSpPr>
-            <a:spLocks noGrp="1"/>
-          </p:cNvSpPr>
-          <p:nvPr>
-            <p:ph idx="1"/>
-          </p:nvPr>
+          <p:cNvSpPr txBox="1"/>
+          <p:nvPr/>
         </p:nvSpPr>
         <p:spPr>
           <a:xfrm>
-            <a:off x="677334" y="2160590"/>
-            <a:ext cx="8596668" cy="3113776"/>
+            <a:off x="1035143" y="1802296"/>
+            <a:ext cx="8638944" cy="3416320"/>
           </a:xfrm>
+          <a:prstGeom prst="rect">
+            <a:avLst/>
+          </a:prstGeom>
+          <a:noFill/>
         </p:spPr>
         <p:txBody>
-          <a:bodyPr>
-            <a:normAutofit lnSpcReduction="10000"/>
+          <a:bodyPr wrap="square" rtlCol="0">
+            <a:spAutoFit/>
           </a:bodyPr>
           <a:lstStyle/>
           <a:p>
             <a:r>
-              <a:rPr lang="zh-CN" altLang="en-US" sz="2800" dirty="0"/>
-              <a:t>创建</a:t>
-            </a:r>
-            <a:r>
-              <a:rPr lang="en-US" altLang="zh-CN" sz="2800" dirty="0"/>
+              <a:rPr lang="en-US" altLang="zh-CN" sz="2400" dirty="0">
+                <a:latin typeface="宋体" panose="02010600030101010101" pitchFamily="2" charset="-122"/>
+                <a:ea typeface="宋体" panose="02010600030101010101" pitchFamily="2" charset="-122"/>
+              </a:rPr>
               <a:t>Stream</a:t>
             </a:r>
-            <a:br>
-              <a:rPr lang="en-US" altLang="zh-CN" sz="2800" dirty="0"/>
-            </a:br>
-            <a:r>
-              <a:rPr lang="zh-CN" altLang="en-US" sz="2800" dirty="0"/>
-              <a:t>根据数据源，获取</a:t>
-            </a:r>
-            <a:r>
-              <a:rPr lang="en-US" altLang="zh-CN" sz="2800" dirty="0"/>
-              <a:t>stream</a:t>
-            </a:r>
-            <a:r>
-              <a:rPr lang="zh-CN" altLang="en-US" sz="2800" dirty="0"/>
-              <a:t>流</a:t>
-            </a:r>
-            <a:endParaRPr lang="en-US" altLang="zh-CN" sz="2800" dirty="0"/>
-          </a:p>
-          <a:p>
-            <a:r>
-              <a:rPr lang="zh-CN" altLang="en-US" sz="2800" dirty="0"/>
-              <a:t>中间操作</a:t>
-            </a:r>
-            <a:br>
-              <a:rPr lang="en-US" altLang="zh-CN" sz="2800" dirty="0"/>
-            </a:br>
-            <a:r>
-              <a:rPr lang="zh-CN" altLang="en-US" sz="2800" dirty="0"/>
-              <a:t>一连串的操作，对数据源中的数据进行处理</a:t>
-            </a:r>
-            <a:endParaRPr lang="en-US" altLang="zh-CN" sz="2800" dirty="0"/>
-          </a:p>
-          <a:p>
-            <a:r>
-              <a:rPr lang="zh-CN" altLang="en-US" sz="2800" dirty="0"/>
-              <a:t>终止操作</a:t>
-            </a:r>
-            <a:br>
-              <a:rPr lang="en-US" altLang="zh-CN" sz="2800" dirty="0"/>
-            </a:br>
-            <a:r>
-              <a:rPr lang="zh-CN" altLang="en-US" sz="2800" dirty="0"/>
-              <a:t>一个终止操作，执行中间操作链，产生结果</a:t>
-            </a:r>
-            <a:br>
-              <a:rPr lang="en-US" altLang="zh-CN" sz="2800" dirty="0"/>
-            </a:br>
-            <a:endParaRPr lang="en-US" altLang="zh-CN" sz="2800" dirty="0"/>
+            <a:r>
+              <a:rPr lang="zh-CN" altLang="en-US" sz="2400" dirty="0">
+                <a:latin typeface="宋体" panose="02010600030101010101" pitchFamily="2" charset="-122"/>
+                <a:ea typeface="宋体" panose="02010600030101010101" pitchFamily="2" charset="-122"/>
+              </a:rPr>
+              <a:t>是数据渠道，用于操作数据源（集合、数组等）所生成的元素序列。</a:t>
+            </a:r>
+          </a:p>
+          <a:p>
+            <a:r>
+              <a:rPr lang="zh-CN" altLang="en-US" sz="2400" dirty="0">
+                <a:latin typeface="宋体" panose="02010600030101010101" pitchFamily="2" charset="-122"/>
+                <a:ea typeface="宋体" panose="02010600030101010101" pitchFamily="2" charset="-122"/>
+              </a:rPr>
+              <a:t>“集合讲的是数据，流讲的是计算！”</a:t>
+            </a:r>
+            <a:endParaRPr lang="en-US" altLang="zh-CN" sz="2400" dirty="0">
+              <a:latin typeface="宋体" panose="02010600030101010101" pitchFamily="2" charset="-122"/>
+              <a:ea typeface="宋体" panose="02010600030101010101" pitchFamily="2" charset="-122"/>
+            </a:endParaRPr>
+          </a:p>
+          <a:p>
+            <a:r>
+              <a:rPr lang="zh-CN" altLang="en-US" sz="2400" dirty="0">
+                <a:latin typeface="宋体" panose="02010600030101010101" pitchFamily="2" charset="-122"/>
+                <a:ea typeface="宋体" panose="02010600030101010101" pitchFamily="2" charset="-122"/>
+              </a:rPr>
+              <a:t>注意：</a:t>
+            </a:r>
+          </a:p>
+          <a:p>
+            <a:r>
+              <a:rPr lang="zh-CN" altLang="en-US" sz="2400" dirty="0">
+                <a:latin typeface="宋体" panose="02010600030101010101" pitchFamily="2" charset="-122"/>
+                <a:ea typeface="宋体" panose="02010600030101010101" pitchFamily="2" charset="-122"/>
+              </a:rPr>
+              <a:t>①</a:t>
+            </a:r>
+            <a:r>
+              <a:rPr lang="en-US" altLang="zh-CN" sz="2400" dirty="0">
+                <a:latin typeface="宋体" panose="02010600030101010101" pitchFamily="2" charset="-122"/>
+                <a:ea typeface="宋体" panose="02010600030101010101" pitchFamily="2" charset="-122"/>
+              </a:rPr>
+              <a:t>Stream </a:t>
+            </a:r>
+            <a:r>
+              <a:rPr lang="zh-CN" altLang="en-US" sz="2400" dirty="0">
+                <a:latin typeface="宋体" panose="02010600030101010101" pitchFamily="2" charset="-122"/>
+                <a:ea typeface="宋体" panose="02010600030101010101" pitchFamily="2" charset="-122"/>
+              </a:rPr>
+              <a:t>自己不会存储元素。</a:t>
+            </a:r>
+          </a:p>
+          <a:p>
+            <a:r>
+              <a:rPr lang="zh-CN" altLang="en-US" sz="2400" dirty="0">
+                <a:latin typeface="宋体" panose="02010600030101010101" pitchFamily="2" charset="-122"/>
+                <a:ea typeface="宋体" panose="02010600030101010101" pitchFamily="2" charset="-122"/>
+              </a:rPr>
+              <a:t>②</a:t>
+            </a:r>
+            <a:r>
+              <a:rPr lang="en-US" altLang="zh-CN" sz="2400" dirty="0">
+                <a:latin typeface="宋体" panose="02010600030101010101" pitchFamily="2" charset="-122"/>
+                <a:ea typeface="宋体" panose="02010600030101010101" pitchFamily="2" charset="-122"/>
+              </a:rPr>
+              <a:t>Stream </a:t>
+            </a:r>
+            <a:r>
+              <a:rPr lang="zh-CN" altLang="en-US" sz="2400" dirty="0">
+                <a:latin typeface="宋体" panose="02010600030101010101" pitchFamily="2" charset="-122"/>
+                <a:ea typeface="宋体" panose="02010600030101010101" pitchFamily="2" charset="-122"/>
+              </a:rPr>
+              <a:t>不会改变源对象。相反，他们会返回一个持有结果的新</a:t>
+            </a:r>
+            <a:r>
+              <a:rPr lang="en-US" altLang="zh-CN" sz="2400" dirty="0">
+                <a:latin typeface="宋体" panose="02010600030101010101" pitchFamily="2" charset="-122"/>
+                <a:ea typeface="宋体" panose="02010600030101010101" pitchFamily="2" charset="-122"/>
+              </a:rPr>
+              <a:t>Stream</a:t>
+            </a:r>
+            <a:r>
+              <a:rPr lang="zh-CN" altLang="en-US" sz="2400" dirty="0">
+                <a:latin typeface="宋体" panose="02010600030101010101" pitchFamily="2" charset="-122"/>
+                <a:ea typeface="宋体" panose="02010600030101010101" pitchFamily="2" charset="-122"/>
+              </a:rPr>
+              <a:t>。</a:t>
+            </a:r>
+          </a:p>
+          <a:p>
+            <a:r>
+              <a:rPr lang="zh-CN" altLang="en-US" sz="2400" dirty="0">
+                <a:latin typeface="宋体" panose="02010600030101010101" pitchFamily="2" charset="-122"/>
+                <a:ea typeface="宋体" panose="02010600030101010101" pitchFamily="2" charset="-122"/>
+              </a:rPr>
+              <a:t>③</a:t>
+            </a:r>
+            <a:r>
+              <a:rPr lang="en-US" altLang="zh-CN" sz="2400" dirty="0">
+                <a:latin typeface="宋体" panose="02010600030101010101" pitchFamily="2" charset="-122"/>
+                <a:ea typeface="宋体" panose="02010600030101010101" pitchFamily="2" charset="-122"/>
+              </a:rPr>
+              <a:t>Stream </a:t>
+            </a:r>
+            <a:r>
+              <a:rPr lang="zh-CN" altLang="en-US" sz="2400" dirty="0">
+                <a:latin typeface="宋体" panose="02010600030101010101" pitchFamily="2" charset="-122"/>
+                <a:ea typeface="宋体" panose="02010600030101010101" pitchFamily="2" charset="-122"/>
+              </a:rPr>
+              <a:t>操作是延迟执行的。这意味着他们会等到需要结果的时候才执行。</a:t>
+            </a:r>
           </a:p>
         </p:txBody>
       </p:sp>
     </p:spTree>
     <p:extLst>
       <p:ext uri="{BB962C8B-B14F-4D97-AF65-F5344CB8AC3E}">
-        <p14:creationId xmlns:p14="http://schemas.microsoft.com/office/powerpoint/2010/main" val="1378657399"/>
+        <p14:creationId xmlns:p14="http://schemas.microsoft.com/office/powerpoint/2010/main" val="3216162487"/>
       </p:ext>
     </p:extLst>
   </p:cSld>
